--- a/docs/assets/fractals/3d/menger-rgb.pptx
+++ b/docs/assets/fractals/3d/menger-rgb.pptx
@@ -243,7 +243,7 @@
           <a:p>
             <a:fld id="{42147EE6-B061-CA4C-8D4E-EDA22BD3332D}" type="datetimeFigureOut">
               <a:rPr lang="en-GB" smtClean="0"/>
-              <a:t>24/08/2024</a:t>
+              <a:t>31/08/2024</a:t>
             </a:fld>
             <a:endParaRPr lang="en-GB"/>
           </a:p>
@@ -413,7 +413,7 @@
           <a:p>
             <a:fld id="{42147EE6-B061-CA4C-8D4E-EDA22BD3332D}" type="datetimeFigureOut">
               <a:rPr lang="en-GB" smtClean="0"/>
-              <a:t>24/08/2024</a:t>
+              <a:t>31/08/2024</a:t>
             </a:fld>
             <a:endParaRPr lang="en-GB"/>
           </a:p>
@@ -593,7 +593,7 @@
           <a:p>
             <a:fld id="{42147EE6-B061-CA4C-8D4E-EDA22BD3332D}" type="datetimeFigureOut">
               <a:rPr lang="en-GB" smtClean="0"/>
-              <a:t>24/08/2024</a:t>
+              <a:t>31/08/2024</a:t>
             </a:fld>
             <a:endParaRPr lang="en-GB"/>
           </a:p>
@@ -763,7 +763,7 @@
           <a:p>
             <a:fld id="{42147EE6-B061-CA4C-8D4E-EDA22BD3332D}" type="datetimeFigureOut">
               <a:rPr lang="en-GB" smtClean="0"/>
-              <a:t>24/08/2024</a:t>
+              <a:t>31/08/2024</a:t>
             </a:fld>
             <a:endParaRPr lang="en-GB"/>
           </a:p>
@@ -1007,7 +1007,7 @@
           <a:p>
             <a:fld id="{42147EE6-B061-CA4C-8D4E-EDA22BD3332D}" type="datetimeFigureOut">
               <a:rPr lang="en-GB" smtClean="0"/>
-              <a:t>24/08/2024</a:t>
+              <a:t>31/08/2024</a:t>
             </a:fld>
             <a:endParaRPr lang="en-GB"/>
           </a:p>
@@ -1239,7 +1239,7 @@
           <a:p>
             <a:fld id="{42147EE6-B061-CA4C-8D4E-EDA22BD3332D}" type="datetimeFigureOut">
               <a:rPr lang="en-GB" smtClean="0"/>
-              <a:t>24/08/2024</a:t>
+              <a:t>31/08/2024</a:t>
             </a:fld>
             <a:endParaRPr lang="en-GB"/>
           </a:p>
@@ -1606,7 +1606,7 @@
           <a:p>
             <a:fld id="{42147EE6-B061-CA4C-8D4E-EDA22BD3332D}" type="datetimeFigureOut">
               <a:rPr lang="en-GB" smtClean="0"/>
-              <a:t>24/08/2024</a:t>
+              <a:t>31/08/2024</a:t>
             </a:fld>
             <a:endParaRPr lang="en-GB"/>
           </a:p>
@@ -1724,7 +1724,7 @@
           <a:p>
             <a:fld id="{42147EE6-B061-CA4C-8D4E-EDA22BD3332D}" type="datetimeFigureOut">
               <a:rPr lang="en-GB" smtClean="0"/>
-              <a:t>24/08/2024</a:t>
+              <a:t>31/08/2024</a:t>
             </a:fld>
             <a:endParaRPr lang="en-GB"/>
           </a:p>
@@ -1819,7 +1819,7 @@
           <a:p>
             <a:fld id="{42147EE6-B061-CA4C-8D4E-EDA22BD3332D}" type="datetimeFigureOut">
               <a:rPr lang="en-GB" smtClean="0"/>
-              <a:t>24/08/2024</a:t>
+              <a:t>31/08/2024</a:t>
             </a:fld>
             <a:endParaRPr lang="en-GB"/>
           </a:p>
@@ -2096,7 +2096,7 @@
           <a:p>
             <a:fld id="{42147EE6-B061-CA4C-8D4E-EDA22BD3332D}" type="datetimeFigureOut">
               <a:rPr lang="en-GB" smtClean="0"/>
-              <a:t>24/08/2024</a:t>
+              <a:t>31/08/2024</a:t>
             </a:fld>
             <a:endParaRPr lang="en-GB"/>
           </a:p>
@@ -2353,7 +2353,7 @@
           <a:p>
             <a:fld id="{42147EE6-B061-CA4C-8D4E-EDA22BD3332D}" type="datetimeFigureOut">
               <a:rPr lang="en-GB" smtClean="0"/>
-              <a:t>24/08/2024</a:t>
+              <a:t>31/08/2024</a:t>
             </a:fld>
             <a:endParaRPr lang="en-GB"/>
           </a:p>
@@ -2566,7 +2566,7 @@
           <a:p>
             <a:fld id="{42147EE6-B061-CA4C-8D4E-EDA22BD3332D}" type="datetimeFigureOut">
               <a:rPr lang="en-GB" smtClean="0"/>
-              <a:t>24/08/2024</a:t>
+              <a:t>31/08/2024</a:t>
             </a:fld>
             <a:endParaRPr lang="en-GB"/>
           </a:p>
@@ -2988,13 +2988,13 @@
               <p:nvPr>
                 <p:extLst>
                   <p:ext uri="{D42A27DB-BD31-4B8C-83A1-F6EECF244321}">
-                    <p14:modId xmlns:p14="http://schemas.microsoft.com/office/powerpoint/2010/main" val="957382670"/>
+                    <p14:modId xmlns:p14="http://schemas.microsoft.com/office/powerpoint/2010/main" val="2504082573"/>
                   </p:ext>
                 </p:extLst>
               </p:nvPr>
             </p:nvGraphicFramePr>
             <p:xfrm>
-              <a:off x="1674080" y="4069753"/>
+              <a:off x="1800000" y="4320000"/>
               <a:ext cx="2880000" cy="2880000"/>
             </p:xfrm>
             <a:graphic>
@@ -3048,7 +3048,7 @@
             </p:blipFill>
             <p:spPr>
               <a:xfrm>
-                <a:off x="1674080" y="4069753"/>
+                <a:off x="1800000" y="4320000"/>
                 <a:ext cx="2880000" cy="2880000"/>
               </a:xfrm>
               <a:prstGeom prst="rect">
@@ -3075,13 +3075,13 @@
               <p:nvPr>
                 <p:extLst>
                   <p:ext uri="{D42A27DB-BD31-4B8C-83A1-F6EECF244321}">
-                    <p14:modId xmlns:p14="http://schemas.microsoft.com/office/powerpoint/2010/main" val="914268473"/>
+                    <p14:modId xmlns:p14="http://schemas.microsoft.com/office/powerpoint/2010/main" val="630665413"/>
                   </p:ext>
                 </p:extLst>
               </p:nvPr>
             </p:nvGraphicFramePr>
             <p:xfrm>
-              <a:off x="1674080" y="2275320"/>
+              <a:off x="1800000" y="2520000"/>
               <a:ext cx="2880000" cy="2880000"/>
             </p:xfrm>
             <a:graphic>
@@ -3135,7 +3135,7 @@
             </p:blipFill>
             <p:spPr>
               <a:xfrm>
-                <a:off x="1674080" y="2275320"/>
+                <a:off x="1800000" y="2520000"/>
                 <a:ext cx="2880000" cy="2880000"/>
               </a:xfrm>
               <a:prstGeom prst="rect">
@@ -3162,13 +3162,13 @@
               <p:nvPr>
                 <p:extLst>
                   <p:ext uri="{D42A27DB-BD31-4B8C-83A1-F6EECF244321}">
-                    <p14:modId xmlns:p14="http://schemas.microsoft.com/office/powerpoint/2010/main" val="3469508079"/>
+                    <p14:modId xmlns:p14="http://schemas.microsoft.com/office/powerpoint/2010/main" val="522991323"/>
                   </p:ext>
                 </p:extLst>
               </p:nvPr>
             </p:nvGraphicFramePr>
             <p:xfrm>
-              <a:off x="1674080" y="480887"/>
+              <a:off x="1800000" y="720000"/>
               <a:ext cx="2880000" cy="2880000"/>
             </p:xfrm>
             <a:graphic>
@@ -3222,7 +3222,7 @@
             </p:blipFill>
             <p:spPr>
               <a:xfrm>
-                <a:off x="1674080" y="480887"/>
+                <a:off x="1800000" y="720000"/>
                 <a:ext cx="2880000" cy="2880000"/>
               </a:xfrm>
               <a:prstGeom prst="rect">
@@ -3249,13 +3249,13 @@
               <p:nvPr>
                 <p:extLst>
                   <p:ext uri="{D42A27DB-BD31-4B8C-83A1-F6EECF244321}">
-                    <p14:modId xmlns:p14="http://schemas.microsoft.com/office/powerpoint/2010/main" val="1413219234"/>
+                    <p14:modId xmlns:p14="http://schemas.microsoft.com/office/powerpoint/2010/main" val="2762907494"/>
                   </p:ext>
                 </p:extLst>
               </p:nvPr>
             </p:nvGraphicFramePr>
             <p:xfrm>
-              <a:off x="3476238" y="4069151"/>
+              <a:off x="3600000" y="4320000"/>
               <a:ext cx="2880000" cy="2880000"/>
             </p:xfrm>
             <a:graphic>
@@ -3309,7 +3309,7 @@
             </p:blipFill>
             <p:spPr>
               <a:xfrm>
-                <a:off x="3476238" y="4069151"/>
+                <a:off x="3600000" y="4320000"/>
                 <a:ext cx="2880000" cy="2880000"/>
               </a:xfrm>
               <a:prstGeom prst="rect">
@@ -3336,13 +3336,13 @@
               <p:nvPr>
                 <p:extLst>
                   <p:ext uri="{D42A27DB-BD31-4B8C-83A1-F6EECF244321}">
-                    <p14:modId xmlns:p14="http://schemas.microsoft.com/office/powerpoint/2010/main" val="3799695456"/>
+                    <p14:modId xmlns:p14="http://schemas.microsoft.com/office/powerpoint/2010/main" val="416595460"/>
                   </p:ext>
                 </p:extLst>
               </p:nvPr>
             </p:nvGraphicFramePr>
             <p:xfrm>
-              <a:off x="3474940" y="477072"/>
+              <a:off x="3600000" y="720000"/>
               <a:ext cx="2880000" cy="2880000"/>
             </p:xfrm>
             <a:graphic>
@@ -3396,7 +3396,7 @@
             </p:blipFill>
             <p:spPr>
               <a:xfrm>
-                <a:off x="3474940" y="477072"/>
+                <a:off x="3600000" y="720000"/>
                 <a:ext cx="2880000" cy="2880000"/>
               </a:xfrm>
               <a:prstGeom prst="rect">
@@ -3423,13 +3423,13 @@
               <p:nvPr>
                 <p:extLst>
                   <p:ext uri="{D42A27DB-BD31-4B8C-83A1-F6EECF244321}">
-                    <p14:modId xmlns:p14="http://schemas.microsoft.com/office/powerpoint/2010/main" val="162794688"/>
+                    <p14:modId xmlns:p14="http://schemas.microsoft.com/office/powerpoint/2010/main" val="192968692"/>
                   </p:ext>
                 </p:extLst>
               </p:nvPr>
             </p:nvGraphicFramePr>
             <p:xfrm>
-              <a:off x="5278396" y="4069753"/>
+              <a:off x="5400000" y="4320000"/>
               <a:ext cx="2880000" cy="2880000"/>
             </p:xfrm>
             <a:graphic>
@@ -3483,7 +3483,7 @@
             </p:blipFill>
             <p:spPr>
               <a:xfrm>
-                <a:off x="5278396" y="4069753"/>
+                <a:off x="5400000" y="4320000"/>
                 <a:ext cx="2880000" cy="2880000"/>
               </a:xfrm>
               <a:prstGeom prst="rect">
@@ -3510,13 +3510,13 @@
               <p:nvPr>
                 <p:extLst>
                   <p:ext uri="{D42A27DB-BD31-4B8C-83A1-F6EECF244321}">
-                    <p14:modId xmlns:p14="http://schemas.microsoft.com/office/powerpoint/2010/main" val="998353053"/>
+                    <p14:modId xmlns:p14="http://schemas.microsoft.com/office/powerpoint/2010/main" val="3995758396"/>
                   </p:ext>
                 </p:extLst>
               </p:nvPr>
             </p:nvGraphicFramePr>
             <p:xfrm>
-              <a:off x="5278396" y="2275869"/>
+              <a:off x="5400000" y="2520000"/>
               <a:ext cx="2880000" cy="2880000"/>
             </p:xfrm>
             <a:graphic>
@@ -3570,7 +3570,7 @@
             </p:blipFill>
             <p:spPr>
               <a:xfrm>
-                <a:off x="5278396" y="2275869"/>
+                <a:off x="5400000" y="2520000"/>
                 <a:ext cx="2880000" cy="2880000"/>
               </a:xfrm>
               <a:prstGeom prst="rect">
@@ -3597,13 +3597,13 @@
               <p:nvPr>
                 <p:extLst>
                   <p:ext uri="{D42A27DB-BD31-4B8C-83A1-F6EECF244321}">
-                    <p14:modId xmlns:p14="http://schemas.microsoft.com/office/powerpoint/2010/main" val="519561248"/>
+                    <p14:modId xmlns:p14="http://schemas.microsoft.com/office/powerpoint/2010/main" val="1316114140"/>
                   </p:ext>
                 </p:extLst>
               </p:nvPr>
             </p:nvGraphicFramePr>
             <p:xfrm>
-              <a:off x="5278396" y="473257"/>
+              <a:off x="5400000" y="720000"/>
               <a:ext cx="2880000" cy="2880000"/>
             </p:xfrm>
             <a:graphic>
@@ -3657,7 +3657,7 @@
             </p:blipFill>
             <p:spPr>
               <a:xfrm>
-                <a:off x="5278396" y="473257"/>
+                <a:off x="5400000" y="720000"/>
                 <a:ext cx="2880000" cy="2880000"/>
               </a:xfrm>
               <a:prstGeom prst="rect">
@@ -3671,10 +3671,10 @@
         <mc:Choice Requires="pslz">
           <p:graphicFrame>
             <p:nvGraphicFramePr>
-              <p:cNvPr id="43" name="Slide Zoom 42">
+              <p:cNvPr id="31" name="Slide Zoom 30">
                 <a:extLst>
                   <a:ext uri="{FF2B5EF4-FFF2-40B4-BE49-F238E27FC236}">
-                    <a16:creationId xmlns:a16="http://schemas.microsoft.com/office/drawing/2014/main" id="{773E3788-2C57-C6AA-5F88-6C86629DECE1}"/>
+                    <a16:creationId xmlns:a16="http://schemas.microsoft.com/office/drawing/2014/main" id="{40E5BE20-4384-8B1E-6380-8FFA3BC4D531}"/>
                   </a:ext>
                 </a:extLst>
               </p:cNvPr>
@@ -3684,13 +3684,13 @@
               <p:nvPr>
                 <p:extLst>
                   <p:ext uri="{D42A27DB-BD31-4B8C-83A1-F6EECF244321}">
-                    <p14:modId xmlns:p14="http://schemas.microsoft.com/office/powerpoint/2010/main" val="4185367747"/>
+                    <p14:modId xmlns:p14="http://schemas.microsoft.com/office/powerpoint/2010/main" val="3789382070"/>
                   </p:ext>
                 </p:extLst>
               </p:nvPr>
             </p:nvGraphicFramePr>
             <p:xfrm>
-              <a:off x="1089296" y="4671092"/>
+              <a:off x="1080000" y="4680000"/>
               <a:ext cx="2880000" cy="2880000"/>
             </p:xfrm>
             <a:graphic>
@@ -3723,11 +3723,11 @@
         <mc:Fallback xmlns="">
           <p:pic>
             <p:nvPicPr>
-              <p:cNvPr id="43" name="Slide Zoom 42">
+              <p:cNvPr id="31" name="Slide Zoom 30">
                 <a:hlinkClick r:id="rId3" action="ppaction://hlinksldjump"/>
                 <a:extLst>
                   <a:ext uri="{FF2B5EF4-FFF2-40B4-BE49-F238E27FC236}">
-                    <a16:creationId xmlns:a16="http://schemas.microsoft.com/office/drawing/2014/main" id="{773E3788-2C57-C6AA-5F88-6C86629DECE1}"/>
+                    <a16:creationId xmlns:a16="http://schemas.microsoft.com/office/drawing/2014/main" id="{40E5BE20-4384-8B1E-6380-8FFA3BC4D531}"/>
                   </a:ext>
                 </a:extLst>
               </p:cNvPr>
@@ -3744,7 +3744,7 @@
             </p:blipFill>
             <p:spPr>
               <a:xfrm>
-                <a:off x="1089296" y="4671092"/>
+                <a:off x="1080000" y="4680000"/>
                 <a:ext cx="2880000" cy="2880000"/>
               </a:xfrm>
               <a:prstGeom prst="rect">
@@ -3758,10 +3758,10 @@
         <mc:Choice Requires="pslz">
           <p:graphicFrame>
             <p:nvGraphicFramePr>
-              <p:cNvPr id="44" name="Slide Zoom 43">
+              <p:cNvPr id="33" name="Slide Zoom 32">
                 <a:extLst>
                   <a:ext uri="{FF2B5EF4-FFF2-40B4-BE49-F238E27FC236}">
-                    <a16:creationId xmlns:a16="http://schemas.microsoft.com/office/drawing/2014/main" id="{A37E2E34-6CBE-715B-8A0C-C76EA5815231}"/>
+                    <a16:creationId xmlns:a16="http://schemas.microsoft.com/office/drawing/2014/main" id="{D18F7F65-F737-BCE9-9D0D-E6F0140C122E}"/>
                   </a:ext>
                 </a:extLst>
               </p:cNvPr>
@@ -3771,13 +3771,13 @@
               <p:nvPr>
                 <p:extLst>
                   <p:ext uri="{D42A27DB-BD31-4B8C-83A1-F6EECF244321}">
-                    <p14:modId xmlns:p14="http://schemas.microsoft.com/office/powerpoint/2010/main" val="3185524946"/>
+                    <p14:modId xmlns:p14="http://schemas.microsoft.com/office/powerpoint/2010/main" val="916564226"/>
                   </p:ext>
                 </p:extLst>
               </p:nvPr>
             </p:nvGraphicFramePr>
             <p:xfrm>
-              <a:off x="1095805" y="1065780"/>
+              <a:off x="4680000" y="4680000"/>
               <a:ext cx="2880000" cy="2880000"/>
             </p:xfrm>
             <a:graphic>
@@ -3810,11 +3810,11 @@
         <mc:Fallback xmlns="">
           <p:pic>
             <p:nvPicPr>
-              <p:cNvPr id="44" name="Slide Zoom 43">
+              <p:cNvPr id="33" name="Slide Zoom 32">
                 <a:hlinkClick r:id="rId3" action="ppaction://hlinksldjump"/>
                 <a:extLst>
                   <a:ext uri="{FF2B5EF4-FFF2-40B4-BE49-F238E27FC236}">
-                    <a16:creationId xmlns:a16="http://schemas.microsoft.com/office/drawing/2014/main" id="{A37E2E34-6CBE-715B-8A0C-C76EA5815231}"/>
+                    <a16:creationId xmlns:a16="http://schemas.microsoft.com/office/drawing/2014/main" id="{D18F7F65-F737-BCE9-9D0D-E6F0140C122E}"/>
                   </a:ext>
                 </a:extLst>
               </p:cNvPr>
@@ -3831,7 +3831,7 @@
             </p:blipFill>
             <p:spPr>
               <a:xfrm>
-                <a:off x="1095805" y="1065780"/>
+                <a:off x="4680000" y="4680000"/>
                 <a:ext cx="2880000" cy="2880000"/>
               </a:xfrm>
               <a:prstGeom prst="rect">
@@ -3845,10 +3845,10 @@
         <mc:Choice Requires="pslz">
           <p:graphicFrame>
             <p:nvGraphicFramePr>
-              <p:cNvPr id="45" name="Slide Zoom 44">
+              <p:cNvPr id="36" name="Slide Zoom 35">
                 <a:extLst>
                   <a:ext uri="{FF2B5EF4-FFF2-40B4-BE49-F238E27FC236}">
-                    <a16:creationId xmlns:a16="http://schemas.microsoft.com/office/drawing/2014/main" id="{827B1C18-DEB8-B800-B6F1-F655E048482B}"/>
+                    <a16:creationId xmlns:a16="http://schemas.microsoft.com/office/drawing/2014/main" id="{102646B7-7AC7-A934-F2E5-0316419748CE}"/>
                   </a:ext>
                 </a:extLst>
               </p:cNvPr>
@@ -3858,13 +3858,13 @@
               <p:nvPr>
                 <p:extLst>
                   <p:ext uri="{D42A27DB-BD31-4B8C-83A1-F6EECF244321}">
-                    <p14:modId xmlns:p14="http://schemas.microsoft.com/office/powerpoint/2010/main" val="3579658119"/>
+                    <p14:modId xmlns:p14="http://schemas.microsoft.com/office/powerpoint/2010/main" val="1267486438"/>
                   </p:ext>
                 </p:extLst>
               </p:nvPr>
             </p:nvGraphicFramePr>
             <p:xfrm>
-              <a:off x="4678349" y="1065780"/>
+              <a:off x="1080000" y="1080000"/>
               <a:ext cx="2880000" cy="2880000"/>
             </p:xfrm>
             <a:graphic>
@@ -3897,11 +3897,11 @@
         <mc:Fallback xmlns="">
           <p:pic>
             <p:nvPicPr>
-              <p:cNvPr id="45" name="Slide Zoom 44">
+              <p:cNvPr id="36" name="Slide Zoom 35">
                 <a:hlinkClick r:id="rId3" action="ppaction://hlinksldjump"/>
                 <a:extLst>
                   <a:ext uri="{FF2B5EF4-FFF2-40B4-BE49-F238E27FC236}">
-                    <a16:creationId xmlns:a16="http://schemas.microsoft.com/office/drawing/2014/main" id="{827B1C18-DEB8-B800-B6F1-F655E048482B}"/>
+                    <a16:creationId xmlns:a16="http://schemas.microsoft.com/office/drawing/2014/main" id="{102646B7-7AC7-A934-F2E5-0316419748CE}"/>
                   </a:ext>
                 </a:extLst>
               </p:cNvPr>
@@ -3918,7 +3918,7 @@
             </p:blipFill>
             <p:spPr>
               <a:xfrm>
-                <a:off x="4678349" y="1065780"/>
+                <a:off x="1080000" y="1080000"/>
                 <a:ext cx="2880000" cy="2880000"/>
               </a:xfrm>
               <a:prstGeom prst="rect">
@@ -3932,10 +3932,10 @@
         <mc:Choice Requires="pslz">
           <p:graphicFrame>
             <p:nvGraphicFramePr>
-              <p:cNvPr id="46" name="Slide Zoom 45">
+              <p:cNvPr id="38" name="Slide Zoom 37">
                 <a:extLst>
                   <a:ext uri="{FF2B5EF4-FFF2-40B4-BE49-F238E27FC236}">
-                    <a16:creationId xmlns:a16="http://schemas.microsoft.com/office/drawing/2014/main" id="{BFE2CC74-FF4A-D229-41EF-006E57BCC1B9}"/>
+                    <a16:creationId xmlns:a16="http://schemas.microsoft.com/office/drawing/2014/main" id="{F21FE22B-FFE7-B14D-3760-41B8FE42B857}"/>
                   </a:ext>
                 </a:extLst>
               </p:cNvPr>
@@ -3945,13 +3945,13 @@
               <p:nvPr>
                 <p:extLst>
                   <p:ext uri="{D42A27DB-BD31-4B8C-83A1-F6EECF244321}">
-                    <p14:modId xmlns:p14="http://schemas.microsoft.com/office/powerpoint/2010/main" val="2921702562"/>
+                    <p14:modId xmlns:p14="http://schemas.microsoft.com/office/powerpoint/2010/main" val="1487637300"/>
                   </p:ext>
                 </p:extLst>
               </p:nvPr>
             </p:nvGraphicFramePr>
             <p:xfrm>
-              <a:off x="4684613" y="4671566"/>
+              <a:off x="4680000" y="1080000"/>
               <a:ext cx="2880000" cy="2880000"/>
             </p:xfrm>
             <a:graphic>
@@ -3984,11 +3984,11 @@
         <mc:Fallback xmlns="">
           <p:pic>
             <p:nvPicPr>
-              <p:cNvPr id="46" name="Slide Zoom 45">
+              <p:cNvPr id="38" name="Slide Zoom 37">
                 <a:hlinkClick r:id="rId3" action="ppaction://hlinksldjump"/>
                 <a:extLst>
                   <a:ext uri="{FF2B5EF4-FFF2-40B4-BE49-F238E27FC236}">
-                    <a16:creationId xmlns:a16="http://schemas.microsoft.com/office/drawing/2014/main" id="{BFE2CC74-FF4A-D229-41EF-006E57BCC1B9}"/>
+                    <a16:creationId xmlns:a16="http://schemas.microsoft.com/office/drawing/2014/main" id="{F21FE22B-FFE7-B14D-3760-41B8FE42B857}"/>
                   </a:ext>
                 </a:extLst>
               </p:cNvPr>
@@ -4005,7 +4005,7 @@
             </p:blipFill>
             <p:spPr>
               <a:xfrm>
-                <a:off x="4684613" y="4671566"/>
+                <a:off x="4680000" y="1080000"/>
                 <a:ext cx="2880000" cy="2880000"/>
               </a:xfrm>
               <a:prstGeom prst="rect">
@@ -4019,10 +4019,10 @@
         <mc:Choice Requires="pslz">
           <p:graphicFrame>
             <p:nvGraphicFramePr>
-              <p:cNvPr id="49" name="Slide Zoom 48">
+              <p:cNvPr id="39" name="Slide Zoom 38">
                 <a:extLst>
                   <a:ext uri="{FF2B5EF4-FFF2-40B4-BE49-F238E27FC236}">
-                    <a16:creationId xmlns:a16="http://schemas.microsoft.com/office/drawing/2014/main" id="{A2BC3C76-137F-D29F-46D5-13B7378B7BFE}"/>
+                    <a16:creationId xmlns:a16="http://schemas.microsoft.com/office/drawing/2014/main" id="{8AE3B60F-60F6-28B6-FD3C-485F9D0370AF}"/>
                   </a:ext>
                 </a:extLst>
               </p:cNvPr>
@@ -4032,13 +4032,13 @@
               <p:nvPr>
                 <p:extLst>
                   <p:ext uri="{D42A27DB-BD31-4B8C-83A1-F6EECF244321}">
-                    <p14:modId xmlns:p14="http://schemas.microsoft.com/office/powerpoint/2010/main" val="575998202"/>
+                    <p14:modId xmlns:p14="http://schemas.microsoft.com/office/powerpoint/2010/main" val="1188794147"/>
                   </p:ext>
                 </p:extLst>
               </p:nvPr>
             </p:nvGraphicFramePr>
             <p:xfrm>
-              <a:off x="482367" y="5279293"/>
+              <a:off x="360000" y="5040000"/>
               <a:ext cx="2880000" cy="2880000"/>
             </p:xfrm>
             <a:graphic>
@@ -4071,11 +4071,11 @@
         <mc:Fallback xmlns="">
           <p:pic>
             <p:nvPicPr>
-              <p:cNvPr id="49" name="Slide Zoom 48">
+              <p:cNvPr id="39" name="Slide Zoom 38">
                 <a:hlinkClick r:id="rId3" action="ppaction://hlinksldjump"/>
                 <a:extLst>
                   <a:ext uri="{FF2B5EF4-FFF2-40B4-BE49-F238E27FC236}">
-                    <a16:creationId xmlns:a16="http://schemas.microsoft.com/office/drawing/2014/main" id="{A2BC3C76-137F-D29F-46D5-13B7378B7BFE}"/>
+                    <a16:creationId xmlns:a16="http://schemas.microsoft.com/office/drawing/2014/main" id="{8AE3B60F-60F6-28B6-FD3C-485F9D0370AF}"/>
                   </a:ext>
                 </a:extLst>
               </p:cNvPr>
@@ -4092,7 +4092,7 @@
             </p:blipFill>
             <p:spPr>
               <a:xfrm>
-                <a:off x="482367" y="5279293"/>
+                <a:off x="360000" y="5040000"/>
                 <a:ext cx="2880000" cy="2880000"/>
               </a:xfrm>
               <a:prstGeom prst="rect">
@@ -4106,10 +4106,10 @@
         <mc:Choice Requires="pslz">
           <p:graphicFrame>
             <p:nvGraphicFramePr>
-              <p:cNvPr id="50" name="Slide Zoom 49">
+              <p:cNvPr id="40" name="Slide Zoom 39">
                 <a:extLst>
                   <a:ext uri="{FF2B5EF4-FFF2-40B4-BE49-F238E27FC236}">
-                    <a16:creationId xmlns:a16="http://schemas.microsoft.com/office/drawing/2014/main" id="{BCC945BC-72BB-5AAC-0856-EF970AF00262}"/>
+                    <a16:creationId xmlns:a16="http://schemas.microsoft.com/office/drawing/2014/main" id="{B10B6FCA-9B41-3FF5-9333-21644ECEFB84}"/>
                   </a:ext>
                 </a:extLst>
               </p:cNvPr>
@@ -4119,13 +4119,13 @@
               <p:nvPr>
                 <p:extLst>
                   <p:ext uri="{D42A27DB-BD31-4B8C-83A1-F6EECF244321}">
-                    <p14:modId xmlns:p14="http://schemas.microsoft.com/office/powerpoint/2010/main" val="1287424137"/>
+                    <p14:modId xmlns:p14="http://schemas.microsoft.com/office/powerpoint/2010/main" val="2701625332"/>
                   </p:ext>
                 </p:extLst>
               </p:nvPr>
             </p:nvGraphicFramePr>
             <p:xfrm>
-              <a:off x="476542" y="3483439"/>
+              <a:off x="2160000" y="5040000"/>
               <a:ext cx="2880000" cy="2880000"/>
             </p:xfrm>
             <a:graphic>
@@ -4158,11 +4158,11 @@
         <mc:Fallback xmlns="">
           <p:pic>
             <p:nvPicPr>
-              <p:cNvPr id="50" name="Slide Zoom 49">
+              <p:cNvPr id="40" name="Slide Zoom 39">
                 <a:hlinkClick r:id="rId3" action="ppaction://hlinksldjump"/>
                 <a:extLst>
                   <a:ext uri="{FF2B5EF4-FFF2-40B4-BE49-F238E27FC236}">
-                    <a16:creationId xmlns:a16="http://schemas.microsoft.com/office/drawing/2014/main" id="{BCC945BC-72BB-5AAC-0856-EF970AF00262}"/>
+                    <a16:creationId xmlns:a16="http://schemas.microsoft.com/office/drawing/2014/main" id="{B10B6FCA-9B41-3FF5-9333-21644ECEFB84}"/>
                   </a:ext>
                 </a:extLst>
               </p:cNvPr>
@@ -4179,7 +4179,7 @@
             </p:blipFill>
             <p:spPr>
               <a:xfrm>
-                <a:off x="476542" y="3483439"/>
+                <a:off x="2160000" y="5040000"/>
                 <a:ext cx="2880000" cy="2880000"/>
               </a:xfrm>
               <a:prstGeom prst="rect">
@@ -4193,10 +4193,10 @@
         <mc:Choice Requires="pslz">
           <p:graphicFrame>
             <p:nvGraphicFramePr>
-              <p:cNvPr id="51" name="Slide Zoom 50">
+              <p:cNvPr id="41" name="Slide Zoom 40">
                 <a:extLst>
                   <a:ext uri="{FF2B5EF4-FFF2-40B4-BE49-F238E27FC236}">
-                    <a16:creationId xmlns:a16="http://schemas.microsoft.com/office/drawing/2014/main" id="{EE82A896-522D-6A91-D1A2-CD58FA4C974D}"/>
+                    <a16:creationId xmlns:a16="http://schemas.microsoft.com/office/drawing/2014/main" id="{0F748BC1-D00D-1EFE-525A-644E135C513D}"/>
                   </a:ext>
                 </a:extLst>
               </p:cNvPr>
@@ -4206,13 +4206,13 @@
               <p:nvPr>
                 <p:extLst>
                   <p:ext uri="{D42A27DB-BD31-4B8C-83A1-F6EECF244321}">
-                    <p14:modId xmlns:p14="http://schemas.microsoft.com/office/powerpoint/2010/main" val="732877693"/>
+                    <p14:modId xmlns:p14="http://schemas.microsoft.com/office/powerpoint/2010/main" val="1099990891"/>
                   </p:ext>
                 </p:extLst>
               </p:nvPr>
             </p:nvGraphicFramePr>
             <p:xfrm>
-              <a:off x="467490" y="1681278"/>
+              <a:off x="3960000" y="5040000"/>
               <a:ext cx="2880000" cy="2880000"/>
             </p:xfrm>
             <a:graphic>
@@ -4245,11 +4245,11 @@
         <mc:Fallback xmlns="">
           <p:pic>
             <p:nvPicPr>
-              <p:cNvPr id="51" name="Slide Zoom 50">
+              <p:cNvPr id="41" name="Slide Zoom 40">
                 <a:hlinkClick r:id="rId3" action="ppaction://hlinksldjump"/>
                 <a:extLst>
                   <a:ext uri="{FF2B5EF4-FFF2-40B4-BE49-F238E27FC236}">
-                    <a16:creationId xmlns:a16="http://schemas.microsoft.com/office/drawing/2014/main" id="{EE82A896-522D-6A91-D1A2-CD58FA4C974D}"/>
+                    <a16:creationId xmlns:a16="http://schemas.microsoft.com/office/drawing/2014/main" id="{0F748BC1-D00D-1EFE-525A-644E135C513D}"/>
                   </a:ext>
                 </a:extLst>
               </p:cNvPr>
@@ -4266,7 +4266,7 @@
             </p:blipFill>
             <p:spPr>
               <a:xfrm>
-                <a:off x="467490" y="1681278"/>
+                <a:off x="3960000" y="5040000"/>
                 <a:ext cx="2880000" cy="2880000"/>
               </a:xfrm>
               <a:prstGeom prst="rect">
@@ -4280,10 +4280,10 @@
         <mc:Choice Requires="pslz">
           <p:graphicFrame>
             <p:nvGraphicFramePr>
-              <p:cNvPr id="54" name="Slide Zoom 53">
+              <p:cNvPr id="42" name="Slide Zoom 41">
                 <a:extLst>
                   <a:ext uri="{FF2B5EF4-FFF2-40B4-BE49-F238E27FC236}">
-                    <a16:creationId xmlns:a16="http://schemas.microsoft.com/office/drawing/2014/main" id="{EA7E4CEE-8A14-B9D1-B29B-D1DD11EE8154}"/>
+                    <a16:creationId xmlns:a16="http://schemas.microsoft.com/office/drawing/2014/main" id="{B06DDA10-F829-27E3-EE19-D0055CCD464A}"/>
                   </a:ext>
                 </a:extLst>
               </p:cNvPr>
@@ -4293,13 +4293,13 @@
               <p:nvPr>
                 <p:extLst>
                   <p:ext uri="{D42A27DB-BD31-4B8C-83A1-F6EECF244321}">
-                    <p14:modId xmlns:p14="http://schemas.microsoft.com/office/powerpoint/2010/main" val="3647932451"/>
+                    <p14:modId xmlns:p14="http://schemas.microsoft.com/office/powerpoint/2010/main" val="293786889"/>
                   </p:ext>
                 </p:extLst>
               </p:nvPr>
             </p:nvGraphicFramePr>
             <p:xfrm>
-              <a:off x="2278828" y="5285634"/>
+              <a:off x="360000" y="3240000"/>
               <a:ext cx="2880000" cy="2880000"/>
             </p:xfrm>
             <a:graphic>
@@ -4332,11 +4332,11 @@
         <mc:Fallback xmlns="">
           <p:pic>
             <p:nvPicPr>
-              <p:cNvPr id="54" name="Slide Zoom 53">
+              <p:cNvPr id="42" name="Slide Zoom 41">
                 <a:hlinkClick r:id="rId3" action="ppaction://hlinksldjump"/>
                 <a:extLst>
                   <a:ext uri="{FF2B5EF4-FFF2-40B4-BE49-F238E27FC236}">
-                    <a16:creationId xmlns:a16="http://schemas.microsoft.com/office/drawing/2014/main" id="{EA7E4CEE-8A14-B9D1-B29B-D1DD11EE8154}"/>
+                    <a16:creationId xmlns:a16="http://schemas.microsoft.com/office/drawing/2014/main" id="{B06DDA10-F829-27E3-EE19-D0055CCD464A}"/>
                   </a:ext>
                 </a:extLst>
               </p:cNvPr>
@@ -4353,7 +4353,7 @@
             </p:blipFill>
             <p:spPr>
               <a:xfrm>
-                <a:off x="2278828" y="5285634"/>
+                <a:off x="360000" y="3240000"/>
                 <a:ext cx="2880000" cy="2880000"/>
               </a:xfrm>
               <a:prstGeom prst="rect">
@@ -4367,10 +4367,10 @@
         <mc:Choice Requires="pslz">
           <p:graphicFrame>
             <p:nvGraphicFramePr>
-              <p:cNvPr id="55" name="Slide Zoom 54">
+              <p:cNvPr id="52" name="Slide Zoom 51">
                 <a:extLst>
                   <a:ext uri="{FF2B5EF4-FFF2-40B4-BE49-F238E27FC236}">
-                    <a16:creationId xmlns:a16="http://schemas.microsoft.com/office/drawing/2014/main" id="{BE0D3245-10DD-1385-7C8D-29A41ECD68F3}"/>
+                    <a16:creationId xmlns:a16="http://schemas.microsoft.com/office/drawing/2014/main" id="{2A9EC11B-42B3-5458-8AC9-9D00F1C3596D}"/>
                   </a:ext>
                 </a:extLst>
               </p:cNvPr>
@@ -4380,13 +4380,13 @@
               <p:nvPr>
                 <p:extLst>
                   <p:ext uri="{D42A27DB-BD31-4B8C-83A1-F6EECF244321}">
-                    <p14:modId xmlns:p14="http://schemas.microsoft.com/office/powerpoint/2010/main" val="1968199018"/>
+                    <p14:modId xmlns:p14="http://schemas.microsoft.com/office/powerpoint/2010/main" val="3758592206"/>
                   </p:ext>
                 </p:extLst>
               </p:nvPr>
             </p:nvGraphicFramePr>
             <p:xfrm>
-              <a:off x="2281461" y="1687400"/>
+              <a:off x="3960000" y="3240000"/>
               <a:ext cx="2880000" cy="2880000"/>
             </p:xfrm>
             <a:graphic>
@@ -4419,11 +4419,11 @@
         <mc:Fallback xmlns="">
           <p:pic>
             <p:nvPicPr>
-              <p:cNvPr id="55" name="Slide Zoom 54">
+              <p:cNvPr id="52" name="Slide Zoom 51">
                 <a:hlinkClick r:id="rId3" action="ppaction://hlinksldjump"/>
                 <a:extLst>
                   <a:ext uri="{FF2B5EF4-FFF2-40B4-BE49-F238E27FC236}">
-                    <a16:creationId xmlns:a16="http://schemas.microsoft.com/office/drawing/2014/main" id="{BE0D3245-10DD-1385-7C8D-29A41ECD68F3}"/>
+                    <a16:creationId xmlns:a16="http://schemas.microsoft.com/office/drawing/2014/main" id="{2A9EC11B-42B3-5458-8AC9-9D00F1C3596D}"/>
                   </a:ext>
                 </a:extLst>
               </p:cNvPr>
@@ -4440,7 +4440,7 @@
             </p:blipFill>
             <p:spPr>
               <a:xfrm>
-                <a:off x="2281461" y="1687400"/>
+                <a:off x="3960000" y="3240000"/>
                 <a:ext cx="2880000" cy="2880000"/>
               </a:xfrm>
               <a:prstGeom prst="rect">
@@ -4454,10 +4454,10 @@
         <mc:Choice Requires="pslz">
           <p:graphicFrame>
             <p:nvGraphicFramePr>
-              <p:cNvPr id="56" name="Slide Zoom 55">
+              <p:cNvPr id="59" name="Slide Zoom 58">
                 <a:extLst>
                   <a:ext uri="{FF2B5EF4-FFF2-40B4-BE49-F238E27FC236}">
-                    <a16:creationId xmlns:a16="http://schemas.microsoft.com/office/drawing/2014/main" id="{F194854A-1FE9-A4AF-A4A9-F85F926F8544}"/>
+                    <a16:creationId xmlns:a16="http://schemas.microsoft.com/office/drawing/2014/main" id="{0DCF2BE6-28EF-16D8-438A-F897A62E066F}"/>
                   </a:ext>
                 </a:extLst>
               </p:cNvPr>
@@ -4467,13 +4467,13 @@
               <p:nvPr>
                 <p:extLst>
                   <p:ext uri="{D42A27DB-BD31-4B8C-83A1-F6EECF244321}">
-                    <p14:modId xmlns:p14="http://schemas.microsoft.com/office/powerpoint/2010/main" val="4164158319"/>
+                    <p14:modId xmlns:p14="http://schemas.microsoft.com/office/powerpoint/2010/main" val="1607818546"/>
                   </p:ext>
                 </p:extLst>
               </p:nvPr>
             </p:nvGraphicFramePr>
             <p:xfrm>
-              <a:off x="4089899" y="5279293"/>
+              <a:off x="360000" y="1440000"/>
               <a:ext cx="2880000" cy="2880000"/>
             </p:xfrm>
             <a:graphic>
@@ -4506,11 +4506,11 @@
         <mc:Fallback xmlns="">
           <p:pic>
             <p:nvPicPr>
-              <p:cNvPr id="56" name="Slide Zoom 55">
+              <p:cNvPr id="59" name="Slide Zoom 58">
                 <a:hlinkClick r:id="rId3" action="ppaction://hlinksldjump"/>
                 <a:extLst>
                   <a:ext uri="{FF2B5EF4-FFF2-40B4-BE49-F238E27FC236}">
-                    <a16:creationId xmlns:a16="http://schemas.microsoft.com/office/drawing/2014/main" id="{F194854A-1FE9-A4AF-A4A9-F85F926F8544}"/>
+                    <a16:creationId xmlns:a16="http://schemas.microsoft.com/office/drawing/2014/main" id="{0DCF2BE6-28EF-16D8-438A-F897A62E066F}"/>
                   </a:ext>
                 </a:extLst>
               </p:cNvPr>
@@ -4527,7 +4527,7 @@
             </p:blipFill>
             <p:spPr>
               <a:xfrm>
-                <a:off x="4089899" y="5279293"/>
+                <a:off x="360000" y="1440000"/>
                 <a:ext cx="2880000" cy="2880000"/>
               </a:xfrm>
               <a:prstGeom prst="rect">
@@ -4541,10 +4541,10 @@
         <mc:Choice Requires="pslz">
           <p:graphicFrame>
             <p:nvGraphicFramePr>
-              <p:cNvPr id="57" name="Slide Zoom 56">
+              <p:cNvPr id="60" name="Slide Zoom 59">
                 <a:extLst>
                   <a:ext uri="{FF2B5EF4-FFF2-40B4-BE49-F238E27FC236}">
-                    <a16:creationId xmlns:a16="http://schemas.microsoft.com/office/drawing/2014/main" id="{D2E80EF9-0E41-A659-9DC0-70000798A452}"/>
+                    <a16:creationId xmlns:a16="http://schemas.microsoft.com/office/drawing/2014/main" id="{7DC59AC1-1A53-1141-D970-4FCC64C9B6B7}"/>
                   </a:ext>
                 </a:extLst>
               </p:cNvPr>
@@ -4554,13 +4554,13 @@
               <p:nvPr>
                 <p:extLst>
                   <p:ext uri="{D42A27DB-BD31-4B8C-83A1-F6EECF244321}">
-                    <p14:modId xmlns:p14="http://schemas.microsoft.com/office/powerpoint/2010/main" val="3151150406"/>
+                    <p14:modId xmlns:p14="http://schemas.microsoft.com/office/powerpoint/2010/main" val="95041442"/>
                   </p:ext>
                 </p:extLst>
               </p:nvPr>
             </p:nvGraphicFramePr>
             <p:xfrm>
-              <a:off x="4082692" y="3474996"/>
+              <a:off x="2160000" y="1440000"/>
               <a:ext cx="2880000" cy="2880000"/>
             </p:xfrm>
             <a:graphic>
@@ -4593,11 +4593,11 @@
         <mc:Fallback xmlns="">
           <p:pic>
             <p:nvPicPr>
-              <p:cNvPr id="57" name="Slide Zoom 56">
+              <p:cNvPr id="60" name="Slide Zoom 59">
                 <a:hlinkClick r:id="rId3" action="ppaction://hlinksldjump"/>
                 <a:extLst>
                   <a:ext uri="{FF2B5EF4-FFF2-40B4-BE49-F238E27FC236}">
-                    <a16:creationId xmlns:a16="http://schemas.microsoft.com/office/drawing/2014/main" id="{D2E80EF9-0E41-A659-9DC0-70000798A452}"/>
+                    <a16:creationId xmlns:a16="http://schemas.microsoft.com/office/drawing/2014/main" id="{7DC59AC1-1A53-1141-D970-4FCC64C9B6B7}"/>
                   </a:ext>
                 </a:extLst>
               </p:cNvPr>
@@ -4614,7 +4614,7 @@
             </p:blipFill>
             <p:spPr>
               <a:xfrm>
-                <a:off x="4082692" y="3474996"/>
+                <a:off x="2160000" y="1440000"/>
                 <a:ext cx="2880000" cy="2880000"/>
               </a:xfrm>
               <a:prstGeom prst="rect">
@@ -4628,10 +4628,10 @@
         <mc:Choice Requires="pslz">
           <p:graphicFrame>
             <p:nvGraphicFramePr>
-              <p:cNvPr id="58" name="Slide Zoom 57">
+              <p:cNvPr id="61" name="Slide Zoom 60">
                 <a:extLst>
                   <a:ext uri="{FF2B5EF4-FFF2-40B4-BE49-F238E27FC236}">
-                    <a16:creationId xmlns:a16="http://schemas.microsoft.com/office/drawing/2014/main" id="{5664FB15-F501-EB1F-8B35-357D91EFE1EC}"/>
+                    <a16:creationId xmlns:a16="http://schemas.microsoft.com/office/drawing/2014/main" id="{5499AE6D-B2B6-3013-665F-62DCF977026C}"/>
                   </a:ext>
                 </a:extLst>
               </p:cNvPr>
@@ -4641,13 +4641,13 @@
               <p:nvPr>
                 <p:extLst>
                   <p:ext uri="{D42A27DB-BD31-4B8C-83A1-F6EECF244321}">
-                    <p14:modId xmlns:p14="http://schemas.microsoft.com/office/powerpoint/2010/main" val="2281583071"/>
+                    <p14:modId xmlns:p14="http://schemas.microsoft.com/office/powerpoint/2010/main" val="3845536566"/>
                   </p:ext>
                 </p:extLst>
               </p:nvPr>
             </p:nvGraphicFramePr>
             <p:xfrm>
-              <a:off x="4089621" y="1676513"/>
+              <a:off x="3960000" y="1440000"/>
               <a:ext cx="2880000" cy="2880000"/>
             </p:xfrm>
             <a:graphic>
@@ -4680,11 +4680,11 @@
         <mc:Fallback xmlns="">
           <p:pic>
             <p:nvPicPr>
-              <p:cNvPr id="58" name="Slide Zoom 57">
+              <p:cNvPr id="61" name="Slide Zoom 60">
                 <a:hlinkClick r:id="rId3" action="ppaction://hlinksldjump"/>
                 <a:extLst>
                   <a:ext uri="{FF2B5EF4-FFF2-40B4-BE49-F238E27FC236}">
-                    <a16:creationId xmlns:a16="http://schemas.microsoft.com/office/drawing/2014/main" id="{5664FB15-F501-EB1F-8B35-357D91EFE1EC}"/>
+                    <a16:creationId xmlns:a16="http://schemas.microsoft.com/office/drawing/2014/main" id="{5499AE6D-B2B6-3013-665F-62DCF977026C}"/>
                   </a:ext>
                 </a:extLst>
               </p:cNvPr>
@@ -4701,7 +4701,7 @@
             </p:blipFill>
             <p:spPr>
               <a:xfrm>
-                <a:off x="4089621" y="1676513"/>
+                <a:off x="3960000" y="1440000"/>
                 <a:ext cx="2880000" cy="2880000"/>
               </a:xfrm>
               <a:prstGeom prst="rect">
@@ -4713,10 +4713,10 @@
       </mc:AlternateContent>
       <p:sp>
         <p:nvSpPr>
-          <p:cNvPr id="47" name="Parallelogram 46">
+          <p:cNvPr id="28" name="Parallelogram 27">
             <a:extLst>
               <a:ext uri="{FF2B5EF4-FFF2-40B4-BE49-F238E27FC236}">
-                <a16:creationId xmlns:a16="http://schemas.microsoft.com/office/drawing/2014/main" id="{AB4F23EE-BA21-B630-4632-17113FE3A389}"/>
+                <a16:creationId xmlns:a16="http://schemas.microsoft.com/office/drawing/2014/main" id="{5DCEB6A7-F77F-BDAE-4A9D-4204AF81705C}"/>
               </a:ext>
             </a:extLst>
           </p:cNvPr>
@@ -4725,12 +4725,12 @@
         </p:nvSpPr>
         <p:spPr>
           <a:xfrm>
-            <a:off x="720000" y="720000"/>
-            <a:ext cx="7200000" cy="1785780"/>
+            <a:off x="540000" y="1080000"/>
+            <a:ext cx="7560000" cy="1080000"/>
           </a:xfrm>
           <a:prstGeom prst="parallelogram">
             <a:avLst>
-              <a:gd name="adj" fmla="val 100588"/>
+              <a:gd name="adj" fmla="val 199954"/>
             </a:avLst>
           </a:prstGeom>
           <a:solidFill>
@@ -4738,8 +4738,12 @@
               <a:alpha val="10000"/>
             </a:srgbClr>
           </a:solidFill>
-          <a:ln>
-            <a:noFill/>
+          <a:ln w="3175">
+            <a:solidFill>
+              <a:schemeClr val="tx1">
+                <a:alpha val="25000"/>
+              </a:schemeClr>
+            </a:solidFill>
           </a:ln>
         </p:spPr>
         <p:style>
@@ -4769,10 +4773,10 @@
       </p:sp>
       <p:sp>
         <p:nvSpPr>
-          <p:cNvPr id="48" name="Parallelogram 47">
+          <p:cNvPr id="29" name="Parallelogram 28">
             <a:extLst>
               <a:ext uri="{FF2B5EF4-FFF2-40B4-BE49-F238E27FC236}">
-                <a16:creationId xmlns:a16="http://schemas.microsoft.com/office/drawing/2014/main" id="{BEBB99CF-5B06-7766-15F8-A9EAA99572BD}"/>
+                <a16:creationId xmlns:a16="http://schemas.microsoft.com/office/drawing/2014/main" id="{4D93AFA1-0F30-363F-2D2B-A55D783F512A}"/>
               </a:ext>
             </a:extLst>
           </p:cNvPr>
@@ -4781,12 +4785,12 @@
         </p:nvSpPr>
         <p:spPr>
           <a:xfrm rot="16200000" flipH="1">
-            <a:off x="3424329" y="3424328"/>
-            <a:ext cx="7200000" cy="1791343"/>
+            <a:off x="3780000" y="3240000"/>
+            <a:ext cx="6480000" cy="2160000"/>
           </a:xfrm>
           <a:prstGeom prst="parallelogram">
             <a:avLst>
-              <a:gd name="adj" fmla="val 100588"/>
+              <a:gd name="adj" fmla="val 49925"/>
             </a:avLst>
           </a:prstGeom>
           <a:solidFill>
@@ -4794,8 +4798,12 @@
               <a:alpha val="10000"/>
             </a:srgbClr>
           </a:solidFill>
-          <a:ln>
-            <a:noFill/>
+          <a:ln w="3175">
+            <a:solidFill>
+              <a:schemeClr val="tx1">
+                <a:alpha val="50000"/>
+              </a:schemeClr>
+            </a:solidFill>
           </a:ln>
         </p:spPr>
         <p:style>
@@ -4825,10 +4833,10 @@
       </p:sp>
       <p:sp>
         <p:nvSpPr>
-          <p:cNvPr id="53" name="Rectangle 52">
+          <p:cNvPr id="62" name="Rectangle 61">
             <a:extLst>
               <a:ext uri="{FF2B5EF4-FFF2-40B4-BE49-F238E27FC236}">
-                <a16:creationId xmlns:a16="http://schemas.microsoft.com/office/drawing/2014/main" id="{C1579760-4806-0FF1-F71A-D9AF48C6C410}"/>
+                <a16:creationId xmlns:a16="http://schemas.microsoft.com/office/drawing/2014/main" id="{C102A793-7145-38CA-15D8-2C1B8B4945C4}"/>
               </a:ext>
             </a:extLst>
           </p:cNvPr>
@@ -4837,19 +4845,23 @@
         </p:nvSpPr>
         <p:spPr>
           <a:xfrm>
-            <a:off x="720000" y="2536370"/>
-            <a:ext cx="5392800" cy="5382000"/>
+            <a:off x="540000" y="2160000"/>
+            <a:ext cx="5400000" cy="5400000"/>
           </a:xfrm>
           <a:prstGeom prst="rect">
             <a:avLst/>
           </a:prstGeom>
           <a:solidFill>
-            <a:srgbClr val="FF0000">
-              <a:alpha val="10000"/>
+            <a:srgbClr val="E40005">
+              <a:alpha val="7843"/>
             </a:srgbClr>
           </a:solidFill>
-          <a:ln>
-            <a:noFill/>
+          <a:ln w="3175">
+            <a:solidFill>
+              <a:schemeClr val="tx1">
+                <a:alpha val="25000"/>
+              </a:schemeClr>
+            </a:solidFill>
           </a:ln>
         </p:spPr>
         <p:style>

--- a/docs/assets/fractals/3d/menger-rgb.pptx
+++ b/docs/assets/fractals/3d/menger-rgb.pptx
@@ -243,7 +243,7 @@
           <a:p>
             <a:fld id="{42147EE6-B061-CA4C-8D4E-EDA22BD3332D}" type="datetimeFigureOut">
               <a:rPr lang="en-GB" smtClean="0"/>
-              <a:t>31/08/2024</a:t>
+              <a:t>17/11/2024</a:t>
             </a:fld>
             <a:endParaRPr lang="en-GB"/>
           </a:p>
@@ -413,7 +413,7 @@
           <a:p>
             <a:fld id="{42147EE6-B061-CA4C-8D4E-EDA22BD3332D}" type="datetimeFigureOut">
               <a:rPr lang="en-GB" smtClean="0"/>
-              <a:t>31/08/2024</a:t>
+              <a:t>17/11/2024</a:t>
             </a:fld>
             <a:endParaRPr lang="en-GB"/>
           </a:p>
@@ -593,7 +593,7 @@
           <a:p>
             <a:fld id="{42147EE6-B061-CA4C-8D4E-EDA22BD3332D}" type="datetimeFigureOut">
               <a:rPr lang="en-GB" smtClean="0"/>
-              <a:t>31/08/2024</a:t>
+              <a:t>17/11/2024</a:t>
             </a:fld>
             <a:endParaRPr lang="en-GB"/>
           </a:p>
@@ -763,7 +763,7 @@
           <a:p>
             <a:fld id="{42147EE6-B061-CA4C-8D4E-EDA22BD3332D}" type="datetimeFigureOut">
               <a:rPr lang="en-GB" smtClean="0"/>
-              <a:t>31/08/2024</a:t>
+              <a:t>17/11/2024</a:t>
             </a:fld>
             <a:endParaRPr lang="en-GB"/>
           </a:p>
@@ -1007,7 +1007,7 @@
           <a:p>
             <a:fld id="{42147EE6-B061-CA4C-8D4E-EDA22BD3332D}" type="datetimeFigureOut">
               <a:rPr lang="en-GB" smtClean="0"/>
-              <a:t>31/08/2024</a:t>
+              <a:t>17/11/2024</a:t>
             </a:fld>
             <a:endParaRPr lang="en-GB"/>
           </a:p>
@@ -1239,7 +1239,7 @@
           <a:p>
             <a:fld id="{42147EE6-B061-CA4C-8D4E-EDA22BD3332D}" type="datetimeFigureOut">
               <a:rPr lang="en-GB" smtClean="0"/>
-              <a:t>31/08/2024</a:t>
+              <a:t>17/11/2024</a:t>
             </a:fld>
             <a:endParaRPr lang="en-GB"/>
           </a:p>
@@ -1606,7 +1606,7 @@
           <a:p>
             <a:fld id="{42147EE6-B061-CA4C-8D4E-EDA22BD3332D}" type="datetimeFigureOut">
               <a:rPr lang="en-GB" smtClean="0"/>
-              <a:t>31/08/2024</a:t>
+              <a:t>17/11/2024</a:t>
             </a:fld>
             <a:endParaRPr lang="en-GB"/>
           </a:p>
@@ -1724,7 +1724,7 @@
           <a:p>
             <a:fld id="{42147EE6-B061-CA4C-8D4E-EDA22BD3332D}" type="datetimeFigureOut">
               <a:rPr lang="en-GB" smtClean="0"/>
-              <a:t>31/08/2024</a:t>
+              <a:t>17/11/2024</a:t>
             </a:fld>
             <a:endParaRPr lang="en-GB"/>
           </a:p>
@@ -1819,7 +1819,7 @@
           <a:p>
             <a:fld id="{42147EE6-B061-CA4C-8D4E-EDA22BD3332D}" type="datetimeFigureOut">
               <a:rPr lang="en-GB" smtClean="0"/>
-              <a:t>31/08/2024</a:t>
+              <a:t>17/11/2024</a:t>
             </a:fld>
             <a:endParaRPr lang="en-GB"/>
           </a:p>
@@ -2096,7 +2096,7 @@
           <a:p>
             <a:fld id="{42147EE6-B061-CA4C-8D4E-EDA22BD3332D}" type="datetimeFigureOut">
               <a:rPr lang="en-GB" smtClean="0"/>
-              <a:t>31/08/2024</a:t>
+              <a:t>17/11/2024</a:t>
             </a:fld>
             <a:endParaRPr lang="en-GB"/>
           </a:p>
@@ -2353,7 +2353,7 @@
           <a:p>
             <a:fld id="{42147EE6-B061-CA4C-8D4E-EDA22BD3332D}" type="datetimeFigureOut">
               <a:rPr lang="en-GB" smtClean="0"/>
-              <a:t>31/08/2024</a:t>
+              <a:t>17/11/2024</a:t>
             </a:fld>
             <a:endParaRPr lang="en-GB"/>
           </a:p>
@@ -2566,7 +2566,7 @@
           <a:p>
             <a:fld id="{42147EE6-B061-CA4C-8D4E-EDA22BD3332D}" type="datetimeFigureOut">
               <a:rPr lang="en-GB" smtClean="0"/>
-              <a:t>31/08/2024</a:t>
+              <a:t>17/11/2024</a:t>
             </a:fld>
             <a:endParaRPr lang="en-GB"/>
           </a:p>
@@ -2988,13 +2988,13 @@
               <p:nvPr>
                 <p:extLst>
                   <p:ext uri="{D42A27DB-BD31-4B8C-83A1-F6EECF244321}">
-                    <p14:modId xmlns:p14="http://schemas.microsoft.com/office/powerpoint/2010/main" val="2504082573"/>
+                    <p14:modId xmlns:p14="http://schemas.microsoft.com/office/powerpoint/2010/main" val="3142330251"/>
                   </p:ext>
                 </p:extLst>
               </p:nvPr>
             </p:nvGraphicFramePr>
             <p:xfrm>
-              <a:off x="1800000" y="4320000"/>
+              <a:off x="1620000" y="4320000"/>
               <a:ext cx="2880000" cy="2880000"/>
             </p:xfrm>
             <a:graphic>
@@ -3048,7 +3048,7 @@
             </p:blipFill>
             <p:spPr>
               <a:xfrm>
-                <a:off x="1800000" y="4320000"/>
+                <a:off x="1620000" y="4320000"/>
                 <a:ext cx="2880000" cy="2880000"/>
               </a:xfrm>
               <a:prstGeom prst="rect">
@@ -3075,13 +3075,13 @@
               <p:nvPr>
                 <p:extLst>
                   <p:ext uri="{D42A27DB-BD31-4B8C-83A1-F6EECF244321}">
-                    <p14:modId xmlns:p14="http://schemas.microsoft.com/office/powerpoint/2010/main" val="630665413"/>
+                    <p14:modId xmlns:p14="http://schemas.microsoft.com/office/powerpoint/2010/main" val="902884017"/>
                   </p:ext>
                 </p:extLst>
               </p:nvPr>
             </p:nvGraphicFramePr>
             <p:xfrm>
-              <a:off x="1800000" y="2520000"/>
+              <a:off x="1620000" y="2520000"/>
               <a:ext cx="2880000" cy="2880000"/>
             </p:xfrm>
             <a:graphic>
@@ -3135,7 +3135,7 @@
             </p:blipFill>
             <p:spPr>
               <a:xfrm>
-                <a:off x="1800000" y="2520000"/>
+                <a:off x="1620000" y="2520000"/>
                 <a:ext cx="2880000" cy="2880000"/>
               </a:xfrm>
               <a:prstGeom prst="rect">
@@ -3162,13 +3162,13 @@
               <p:nvPr>
                 <p:extLst>
                   <p:ext uri="{D42A27DB-BD31-4B8C-83A1-F6EECF244321}">
-                    <p14:modId xmlns:p14="http://schemas.microsoft.com/office/powerpoint/2010/main" val="522991323"/>
+                    <p14:modId xmlns:p14="http://schemas.microsoft.com/office/powerpoint/2010/main" val="3511564019"/>
                   </p:ext>
                 </p:extLst>
               </p:nvPr>
             </p:nvGraphicFramePr>
             <p:xfrm>
-              <a:off x="1800000" y="720000"/>
+              <a:off x="1620000" y="720000"/>
               <a:ext cx="2880000" cy="2880000"/>
             </p:xfrm>
             <a:graphic>
@@ -3222,7 +3222,7 @@
             </p:blipFill>
             <p:spPr>
               <a:xfrm>
-                <a:off x="1800000" y="720000"/>
+                <a:off x="1620000" y="720000"/>
                 <a:ext cx="2880000" cy="2880000"/>
               </a:xfrm>
               <a:prstGeom prst="rect">
@@ -3249,13 +3249,13 @@
               <p:nvPr>
                 <p:extLst>
                   <p:ext uri="{D42A27DB-BD31-4B8C-83A1-F6EECF244321}">
-                    <p14:modId xmlns:p14="http://schemas.microsoft.com/office/powerpoint/2010/main" val="2762907494"/>
+                    <p14:modId xmlns:p14="http://schemas.microsoft.com/office/powerpoint/2010/main" val="1764261161"/>
                   </p:ext>
                 </p:extLst>
               </p:nvPr>
             </p:nvGraphicFramePr>
             <p:xfrm>
-              <a:off x="3600000" y="4320000"/>
+              <a:off x="3420000" y="4320000"/>
               <a:ext cx="2880000" cy="2880000"/>
             </p:xfrm>
             <a:graphic>
@@ -3309,7 +3309,7 @@
             </p:blipFill>
             <p:spPr>
               <a:xfrm>
-                <a:off x="3600000" y="4320000"/>
+                <a:off x="3420000" y="4320000"/>
                 <a:ext cx="2880000" cy="2880000"/>
               </a:xfrm>
               <a:prstGeom prst="rect">
@@ -3336,13 +3336,13 @@
               <p:nvPr>
                 <p:extLst>
                   <p:ext uri="{D42A27DB-BD31-4B8C-83A1-F6EECF244321}">
-                    <p14:modId xmlns:p14="http://schemas.microsoft.com/office/powerpoint/2010/main" val="416595460"/>
+                    <p14:modId xmlns:p14="http://schemas.microsoft.com/office/powerpoint/2010/main" val="3058920675"/>
                   </p:ext>
                 </p:extLst>
               </p:nvPr>
             </p:nvGraphicFramePr>
             <p:xfrm>
-              <a:off x="3600000" y="720000"/>
+              <a:off x="3420000" y="720000"/>
               <a:ext cx="2880000" cy="2880000"/>
             </p:xfrm>
             <a:graphic>
@@ -3396,7 +3396,7 @@
             </p:blipFill>
             <p:spPr>
               <a:xfrm>
-                <a:off x="3600000" y="720000"/>
+                <a:off x="3420000" y="720000"/>
                 <a:ext cx="2880000" cy="2880000"/>
               </a:xfrm>
               <a:prstGeom prst="rect">
@@ -3423,13 +3423,13 @@
               <p:nvPr>
                 <p:extLst>
                   <p:ext uri="{D42A27DB-BD31-4B8C-83A1-F6EECF244321}">
-                    <p14:modId xmlns:p14="http://schemas.microsoft.com/office/powerpoint/2010/main" val="192968692"/>
+                    <p14:modId xmlns:p14="http://schemas.microsoft.com/office/powerpoint/2010/main" val="4112791142"/>
                   </p:ext>
                 </p:extLst>
               </p:nvPr>
             </p:nvGraphicFramePr>
             <p:xfrm>
-              <a:off x="5400000" y="4320000"/>
+              <a:off x="5220000" y="4320000"/>
               <a:ext cx="2880000" cy="2880000"/>
             </p:xfrm>
             <a:graphic>
@@ -3483,7 +3483,7 @@
             </p:blipFill>
             <p:spPr>
               <a:xfrm>
-                <a:off x="5400000" y="4320000"/>
+                <a:off x="5220000" y="4320000"/>
                 <a:ext cx="2880000" cy="2880000"/>
               </a:xfrm>
               <a:prstGeom prst="rect">
@@ -3510,13 +3510,13 @@
               <p:nvPr>
                 <p:extLst>
                   <p:ext uri="{D42A27DB-BD31-4B8C-83A1-F6EECF244321}">
-                    <p14:modId xmlns:p14="http://schemas.microsoft.com/office/powerpoint/2010/main" val="3995758396"/>
+                    <p14:modId xmlns:p14="http://schemas.microsoft.com/office/powerpoint/2010/main" val="3189102033"/>
                   </p:ext>
                 </p:extLst>
               </p:nvPr>
             </p:nvGraphicFramePr>
             <p:xfrm>
-              <a:off x="5400000" y="2520000"/>
+              <a:off x="5220000" y="2520000"/>
               <a:ext cx="2880000" cy="2880000"/>
             </p:xfrm>
             <a:graphic>
@@ -3570,7 +3570,7 @@
             </p:blipFill>
             <p:spPr>
               <a:xfrm>
-                <a:off x="5400000" y="2520000"/>
+                <a:off x="5220000" y="2520000"/>
                 <a:ext cx="2880000" cy="2880000"/>
               </a:xfrm>
               <a:prstGeom prst="rect">
@@ -3597,13 +3597,13 @@
               <p:nvPr>
                 <p:extLst>
                   <p:ext uri="{D42A27DB-BD31-4B8C-83A1-F6EECF244321}">
-                    <p14:modId xmlns:p14="http://schemas.microsoft.com/office/powerpoint/2010/main" val="1316114140"/>
+                    <p14:modId xmlns:p14="http://schemas.microsoft.com/office/powerpoint/2010/main" val="571643798"/>
                   </p:ext>
                 </p:extLst>
               </p:nvPr>
             </p:nvGraphicFramePr>
             <p:xfrm>
-              <a:off x="5400000" y="720000"/>
+              <a:off x="5220000" y="720000"/>
               <a:ext cx="2880000" cy="2880000"/>
             </p:xfrm>
             <a:graphic>
@@ -3657,7 +3657,7 @@
             </p:blipFill>
             <p:spPr>
               <a:xfrm>
-                <a:off x="5400000" y="720000"/>
+                <a:off x="5220000" y="720000"/>
                 <a:ext cx="2880000" cy="2880000"/>
               </a:xfrm>
               <a:prstGeom prst="rect">
@@ -3671,10 +3671,10 @@
         <mc:Choice Requires="pslz">
           <p:graphicFrame>
             <p:nvGraphicFramePr>
-              <p:cNvPr id="31" name="Slide Zoom 30">
+              <p:cNvPr id="3" name="Slide Zoom 2">
                 <a:extLst>
                   <a:ext uri="{FF2B5EF4-FFF2-40B4-BE49-F238E27FC236}">
-                    <a16:creationId xmlns:a16="http://schemas.microsoft.com/office/drawing/2014/main" id="{40E5BE20-4384-8B1E-6380-8FFA3BC4D531}"/>
+                    <a16:creationId xmlns:a16="http://schemas.microsoft.com/office/drawing/2014/main" id="{B45CEBB3-FF70-4CE6-4607-7D5199826036}"/>
                   </a:ext>
                 </a:extLst>
               </p:cNvPr>
@@ -3684,7 +3684,7 @@
               <p:nvPr>
                 <p:extLst>
                   <p:ext uri="{D42A27DB-BD31-4B8C-83A1-F6EECF244321}">
-                    <p14:modId xmlns:p14="http://schemas.microsoft.com/office/powerpoint/2010/main" val="3789382070"/>
+                    <p14:modId xmlns:p14="http://schemas.microsoft.com/office/powerpoint/2010/main" val="807342934"/>
                   </p:ext>
                 </p:extLst>
               </p:nvPr>
@@ -3723,11 +3723,11 @@
         <mc:Fallback xmlns="">
           <p:pic>
             <p:nvPicPr>
-              <p:cNvPr id="31" name="Slide Zoom 30">
+              <p:cNvPr id="3" name="Slide Zoom 2">
                 <a:hlinkClick r:id="rId3" action="ppaction://hlinksldjump"/>
                 <a:extLst>
                   <a:ext uri="{FF2B5EF4-FFF2-40B4-BE49-F238E27FC236}">
-                    <a16:creationId xmlns:a16="http://schemas.microsoft.com/office/drawing/2014/main" id="{40E5BE20-4384-8B1E-6380-8FFA3BC4D531}"/>
+                    <a16:creationId xmlns:a16="http://schemas.microsoft.com/office/drawing/2014/main" id="{B45CEBB3-FF70-4CE6-4607-7D5199826036}"/>
                   </a:ext>
                 </a:extLst>
               </p:cNvPr>
@@ -3758,10 +3758,10 @@
         <mc:Choice Requires="pslz">
           <p:graphicFrame>
             <p:nvGraphicFramePr>
-              <p:cNvPr id="33" name="Slide Zoom 32">
+              <p:cNvPr id="4" name="Slide Zoom 3">
                 <a:extLst>
                   <a:ext uri="{FF2B5EF4-FFF2-40B4-BE49-F238E27FC236}">
-                    <a16:creationId xmlns:a16="http://schemas.microsoft.com/office/drawing/2014/main" id="{D18F7F65-F737-BCE9-9D0D-E6F0140C122E}"/>
+                    <a16:creationId xmlns:a16="http://schemas.microsoft.com/office/drawing/2014/main" id="{402055D8-8283-566F-935A-8A7D8A8D704C}"/>
                   </a:ext>
                 </a:extLst>
               </p:cNvPr>
@@ -3771,7 +3771,7 @@
               <p:nvPr>
                 <p:extLst>
                   <p:ext uri="{D42A27DB-BD31-4B8C-83A1-F6EECF244321}">
-                    <p14:modId xmlns:p14="http://schemas.microsoft.com/office/powerpoint/2010/main" val="916564226"/>
+                    <p14:modId xmlns:p14="http://schemas.microsoft.com/office/powerpoint/2010/main" val="551190756"/>
                   </p:ext>
                 </p:extLst>
               </p:nvPr>
@@ -3810,11 +3810,11 @@
         <mc:Fallback xmlns="">
           <p:pic>
             <p:nvPicPr>
-              <p:cNvPr id="33" name="Slide Zoom 32">
+              <p:cNvPr id="4" name="Slide Zoom 3">
                 <a:hlinkClick r:id="rId3" action="ppaction://hlinksldjump"/>
                 <a:extLst>
                   <a:ext uri="{FF2B5EF4-FFF2-40B4-BE49-F238E27FC236}">
-                    <a16:creationId xmlns:a16="http://schemas.microsoft.com/office/drawing/2014/main" id="{D18F7F65-F737-BCE9-9D0D-E6F0140C122E}"/>
+                    <a16:creationId xmlns:a16="http://schemas.microsoft.com/office/drawing/2014/main" id="{402055D8-8283-566F-935A-8A7D8A8D704C}"/>
                   </a:ext>
                 </a:extLst>
               </p:cNvPr>
@@ -3845,10 +3845,10 @@
         <mc:Choice Requires="pslz">
           <p:graphicFrame>
             <p:nvGraphicFramePr>
-              <p:cNvPr id="36" name="Slide Zoom 35">
+              <p:cNvPr id="5" name="Slide Zoom 4">
                 <a:extLst>
                   <a:ext uri="{FF2B5EF4-FFF2-40B4-BE49-F238E27FC236}">
-                    <a16:creationId xmlns:a16="http://schemas.microsoft.com/office/drawing/2014/main" id="{102646B7-7AC7-A934-F2E5-0316419748CE}"/>
+                    <a16:creationId xmlns:a16="http://schemas.microsoft.com/office/drawing/2014/main" id="{0F8567CD-4CB4-32A0-4C68-6C58D741E4CB}"/>
                   </a:ext>
                 </a:extLst>
               </p:cNvPr>
@@ -3858,7 +3858,7 @@
               <p:nvPr>
                 <p:extLst>
                   <p:ext uri="{D42A27DB-BD31-4B8C-83A1-F6EECF244321}">
-                    <p14:modId xmlns:p14="http://schemas.microsoft.com/office/powerpoint/2010/main" val="1267486438"/>
+                    <p14:modId xmlns:p14="http://schemas.microsoft.com/office/powerpoint/2010/main" val="2361175128"/>
                   </p:ext>
                 </p:extLst>
               </p:nvPr>
@@ -3897,11 +3897,11 @@
         <mc:Fallback xmlns="">
           <p:pic>
             <p:nvPicPr>
-              <p:cNvPr id="36" name="Slide Zoom 35">
+              <p:cNvPr id="5" name="Slide Zoom 4">
                 <a:hlinkClick r:id="rId3" action="ppaction://hlinksldjump"/>
                 <a:extLst>
                   <a:ext uri="{FF2B5EF4-FFF2-40B4-BE49-F238E27FC236}">
-                    <a16:creationId xmlns:a16="http://schemas.microsoft.com/office/drawing/2014/main" id="{102646B7-7AC7-A934-F2E5-0316419748CE}"/>
+                    <a16:creationId xmlns:a16="http://schemas.microsoft.com/office/drawing/2014/main" id="{0F8567CD-4CB4-32A0-4C68-6C58D741E4CB}"/>
                   </a:ext>
                 </a:extLst>
               </p:cNvPr>
@@ -3932,10 +3932,10 @@
         <mc:Choice Requires="pslz">
           <p:graphicFrame>
             <p:nvGraphicFramePr>
-              <p:cNvPr id="38" name="Slide Zoom 37">
+              <p:cNvPr id="6" name="Slide Zoom 5">
                 <a:extLst>
                   <a:ext uri="{FF2B5EF4-FFF2-40B4-BE49-F238E27FC236}">
-                    <a16:creationId xmlns:a16="http://schemas.microsoft.com/office/drawing/2014/main" id="{F21FE22B-FFE7-B14D-3760-41B8FE42B857}"/>
+                    <a16:creationId xmlns:a16="http://schemas.microsoft.com/office/drawing/2014/main" id="{6AB7026E-B3E5-F316-6F98-ECDEBDBE6E77}"/>
                   </a:ext>
                 </a:extLst>
               </p:cNvPr>
@@ -3945,7 +3945,7 @@
               <p:nvPr>
                 <p:extLst>
                   <p:ext uri="{D42A27DB-BD31-4B8C-83A1-F6EECF244321}">
-                    <p14:modId xmlns:p14="http://schemas.microsoft.com/office/powerpoint/2010/main" val="1487637300"/>
+                    <p14:modId xmlns:p14="http://schemas.microsoft.com/office/powerpoint/2010/main" val="2259561679"/>
                   </p:ext>
                 </p:extLst>
               </p:nvPr>
@@ -3984,11 +3984,11 @@
         <mc:Fallback xmlns="">
           <p:pic>
             <p:nvPicPr>
-              <p:cNvPr id="38" name="Slide Zoom 37">
+              <p:cNvPr id="6" name="Slide Zoom 5">
                 <a:hlinkClick r:id="rId3" action="ppaction://hlinksldjump"/>
                 <a:extLst>
                   <a:ext uri="{FF2B5EF4-FFF2-40B4-BE49-F238E27FC236}">
-                    <a16:creationId xmlns:a16="http://schemas.microsoft.com/office/drawing/2014/main" id="{F21FE22B-FFE7-B14D-3760-41B8FE42B857}"/>
+                    <a16:creationId xmlns:a16="http://schemas.microsoft.com/office/drawing/2014/main" id="{6AB7026E-B3E5-F316-6F98-ECDEBDBE6E77}"/>
                   </a:ext>
                 </a:extLst>
               </p:cNvPr>
@@ -4019,10 +4019,10 @@
         <mc:Choice Requires="pslz">
           <p:graphicFrame>
             <p:nvGraphicFramePr>
-              <p:cNvPr id="39" name="Slide Zoom 38">
+              <p:cNvPr id="7" name="Slide Zoom 6">
                 <a:extLst>
                   <a:ext uri="{FF2B5EF4-FFF2-40B4-BE49-F238E27FC236}">
-                    <a16:creationId xmlns:a16="http://schemas.microsoft.com/office/drawing/2014/main" id="{8AE3B60F-60F6-28B6-FD3C-485F9D0370AF}"/>
+                    <a16:creationId xmlns:a16="http://schemas.microsoft.com/office/drawing/2014/main" id="{265C77E5-FD6D-2255-7FEC-221F8B65E69D}"/>
                   </a:ext>
                 </a:extLst>
               </p:cNvPr>
@@ -4032,13 +4032,13 @@
               <p:nvPr>
                 <p:extLst>
                   <p:ext uri="{D42A27DB-BD31-4B8C-83A1-F6EECF244321}">
-                    <p14:modId xmlns:p14="http://schemas.microsoft.com/office/powerpoint/2010/main" val="1188794147"/>
+                    <p14:modId xmlns:p14="http://schemas.microsoft.com/office/powerpoint/2010/main" val="3392883382"/>
                   </p:ext>
                 </p:extLst>
               </p:nvPr>
             </p:nvGraphicFramePr>
             <p:xfrm>
-              <a:off x="360000" y="5040000"/>
+              <a:off x="540000" y="5040000"/>
               <a:ext cx="2880000" cy="2880000"/>
             </p:xfrm>
             <a:graphic>
@@ -4071,11 +4071,11 @@
         <mc:Fallback xmlns="">
           <p:pic>
             <p:nvPicPr>
-              <p:cNvPr id="39" name="Slide Zoom 38">
+              <p:cNvPr id="7" name="Slide Zoom 6">
                 <a:hlinkClick r:id="rId3" action="ppaction://hlinksldjump"/>
                 <a:extLst>
                   <a:ext uri="{FF2B5EF4-FFF2-40B4-BE49-F238E27FC236}">
-                    <a16:creationId xmlns:a16="http://schemas.microsoft.com/office/drawing/2014/main" id="{8AE3B60F-60F6-28B6-FD3C-485F9D0370AF}"/>
+                    <a16:creationId xmlns:a16="http://schemas.microsoft.com/office/drawing/2014/main" id="{265C77E5-FD6D-2255-7FEC-221F8B65E69D}"/>
                   </a:ext>
                 </a:extLst>
               </p:cNvPr>
@@ -4092,7 +4092,7 @@
             </p:blipFill>
             <p:spPr>
               <a:xfrm>
-                <a:off x="360000" y="5040000"/>
+                <a:off x="540000" y="5040000"/>
                 <a:ext cx="2880000" cy="2880000"/>
               </a:xfrm>
               <a:prstGeom prst="rect">
@@ -4106,10 +4106,10 @@
         <mc:Choice Requires="pslz">
           <p:graphicFrame>
             <p:nvGraphicFramePr>
-              <p:cNvPr id="40" name="Slide Zoom 39">
+              <p:cNvPr id="8" name="Slide Zoom 7">
                 <a:extLst>
                   <a:ext uri="{FF2B5EF4-FFF2-40B4-BE49-F238E27FC236}">
-                    <a16:creationId xmlns:a16="http://schemas.microsoft.com/office/drawing/2014/main" id="{B10B6FCA-9B41-3FF5-9333-21644ECEFB84}"/>
+                    <a16:creationId xmlns:a16="http://schemas.microsoft.com/office/drawing/2014/main" id="{56475492-35E4-6E8D-F77D-1BA9F1C2C807}"/>
                   </a:ext>
                 </a:extLst>
               </p:cNvPr>
@@ -4119,13 +4119,13 @@
               <p:nvPr>
                 <p:extLst>
                   <p:ext uri="{D42A27DB-BD31-4B8C-83A1-F6EECF244321}">
-                    <p14:modId xmlns:p14="http://schemas.microsoft.com/office/powerpoint/2010/main" val="2701625332"/>
+                    <p14:modId xmlns:p14="http://schemas.microsoft.com/office/powerpoint/2010/main" val="2333648117"/>
                   </p:ext>
                 </p:extLst>
               </p:nvPr>
             </p:nvGraphicFramePr>
             <p:xfrm>
-              <a:off x="2160000" y="5040000"/>
+              <a:off x="2340000" y="5040000"/>
               <a:ext cx="2880000" cy="2880000"/>
             </p:xfrm>
             <a:graphic>
@@ -4158,11 +4158,11 @@
         <mc:Fallback xmlns="">
           <p:pic>
             <p:nvPicPr>
-              <p:cNvPr id="40" name="Slide Zoom 39">
+              <p:cNvPr id="8" name="Slide Zoom 7">
                 <a:hlinkClick r:id="rId3" action="ppaction://hlinksldjump"/>
                 <a:extLst>
                   <a:ext uri="{FF2B5EF4-FFF2-40B4-BE49-F238E27FC236}">
-                    <a16:creationId xmlns:a16="http://schemas.microsoft.com/office/drawing/2014/main" id="{B10B6FCA-9B41-3FF5-9333-21644ECEFB84}"/>
+                    <a16:creationId xmlns:a16="http://schemas.microsoft.com/office/drawing/2014/main" id="{56475492-35E4-6E8D-F77D-1BA9F1C2C807}"/>
                   </a:ext>
                 </a:extLst>
               </p:cNvPr>
@@ -4179,7 +4179,7 @@
             </p:blipFill>
             <p:spPr>
               <a:xfrm>
-                <a:off x="2160000" y="5040000"/>
+                <a:off x="2340000" y="5040000"/>
                 <a:ext cx="2880000" cy="2880000"/>
               </a:xfrm>
               <a:prstGeom prst="rect">
@@ -4193,10 +4193,10 @@
         <mc:Choice Requires="pslz">
           <p:graphicFrame>
             <p:nvGraphicFramePr>
-              <p:cNvPr id="41" name="Slide Zoom 40">
+              <p:cNvPr id="9" name="Slide Zoom 8">
                 <a:extLst>
                   <a:ext uri="{FF2B5EF4-FFF2-40B4-BE49-F238E27FC236}">
-                    <a16:creationId xmlns:a16="http://schemas.microsoft.com/office/drawing/2014/main" id="{0F748BC1-D00D-1EFE-525A-644E135C513D}"/>
+                    <a16:creationId xmlns:a16="http://schemas.microsoft.com/office/drawing/2014/main" id="{B05E7107-9704-F752-3484-73B2DD047A3E}"/>
                   </a:ext>
                 </a:extLst>
               </p:cNvPr>
@@ -4206,13 +4206,13 @@
               <p:nvPr>
                 <p:extLst>
                   <p:ext uri="{D42A27DB-BD31-4B8C-83A1-F6EECF244321}">
-                    <p14:modId xmlns:p14="http://schemas.microsoft.com/office/powerpoint/2010/main" val="1099990891"/>
+                    <p14:modId xmlns:p14="http://schemas.microsoft.com/office/powerpoint/2010/main" val="1976177170"/>
                   </p:ext>
                 </p:extLst>
               </p:nvPr>
             </p:nvGraphicFramePr>
             <p:xfrm>
-              <a:off x="3960000" y="5040000"/>
+              <a:off x="4140000" y="5040000"/>
               <a:ext cx="2880000" cy="2880000"/>
             </p:xfrm>
             <a:graphic>
@@ -4245,11 +4245,11 @@
         <mc:Fallback xmlns="">
           <p:pic>
             <p:nvPicPr>
-              <p:cNvPr id="41" name="Slide Zoom 40">
+              <p:cNvPr id="9" name="Slide Zoom 8">
                 <a:hlinkClick r:id="rId3" action="ppaction://hlinksldjump"/>
                 <a:extLst>
                   <a:ext uri="{FF2B5EF4-FFF2-40B4-BE49-F238E27FC236}">
-                    <a16:creationId xmlns:a16="http://schemas.microsoft.com/office/drawing/2014/main" id="{0F748BC1-D00D-1EFE-525A-644E135C513D}"/>
+                    <a16:creationId xmlns:a16="http://schemas.microsoft.com/office/drawing/2014/main" id="{B05E7107-9704-F752-3484-73B2DD047A3E}"/>
                   </a:ext>
                 </a:extLst>
               </p:cNvPr>
@@ -4266,7 +4266,7 @@
             </p:blipFill>
             <p:spPr>
               <a:xfrm>
-                <a:off x="3960000" y="5040000"/>
+                <a:off x="4140000" y="5040000"/>
                 <a:ext cx="2880000" cy="2880000"/>
               </a:xfrm>
               <a:prstGeom prst="rect">
@@ -4280,10 +4280,10 @@
         <mc:Choice Requires="pslz">
           <p:graphicFrame>
             <p:nvGraphicFramePr>
-              <p:cNvPr id="42" name="Slide Zoom 41">
+              <p:cNvPr id="10" name="Slide Zoom 9">
                 <a:extLst>
                   <a:ext uri="{FF2B5EF4-FFF2-40B4-BE49-F238E27FC236}">
-                    <a16:creationId xmlns:a16="http://schemas.microsoft.com/office/drawing/2014/main" id="{B06DDA10-F829-27E3-EE19-D0055CCD464A}"/>
+                    <a16:creationId xmlns:a16="http://schemas.microsoft.com/office/drawing/2014/main" id="{73396E49-0131-401C-5D94-D29B7A2857FF}"/>
                   </a:ext>
                 </a:extLst>
               </p:cNvPr>
@@ -4293,13 +4293,13 @@
               <p:nvPr>
                 <p:extLst>
                   <p:ext uri="{D42A27DB-BD31-4B8C-83A1-F6EECF244321}">
-                    <p14:modId xmlns:p14="http://schemas.microsoft.com/office/powerpoint/2010/main" val="293786889"/>
+                    <p14:modId xmlns:p14="http://schemas.microsoft.com/office/powerpoint/2010/main" val="1075692259"/>
                   </p:ext>
                 </p:extLst>
               </p:nvPr>
             </p:nvGraphicFramePr>
             <p:xfrm>
-              <a:off x="360000" y="3240000"/>
+              <a:off x="540000" y="3240000"/>
               <a:ext cx="2880000" cy="2880000"/>
             </p:xfrm>
             <a:graphic>
@@ -4332,11 +4332,11 @@
         <mc:Fallback xmlns="">
           <p:pic>
             <p:nvPicPr>
-              <p:cNvPr id="42" name="Slide Zoom 41">
+              <p:cNvPr id="10" name="Slide Zoom 9">
                 <a:hlinkClick r:id="rId3" action="ppaction://hlinksldjump"/>
                 <a:extLst>
                   <a:ext uri="{FF2B5EF4-FFF2-40B4-BE49-F238E27FC236}">
-                    <a16:creationId xmlns:a16="http://schemas.microsoft.com/office/drawing/2014/main" id="{B06DDA10-F829-27E3-EE19-D0055CCD464A}"/>
+                    <a16:creationId xmlns:a16="http://schemas.microsoft.com/office/drawing/2014/main" id="{73396E49-0131-401C-5D94-D29B7A2857FF}"/>
                   </a:ext>
                 </a:extLst>
               </p:cNvPr>
@@ -4353,7 +4353,7 @@
             </p:blipFill>
             <p:spPr>
               <a:xfrm>
-                <a:off x="360000" y="3240000"/>
+                <a:off x="540000" y="3240000"/>
                 <a:ext cx="2880000" cy="2880000"/>
               </a:xfrm>
               <a:prstGeom prst="rect">
@@ -4367,10 +4367,10 @@
         <mc:Choice Requires="pslz">
           <p:graphicFrame>
             <p:nvGraphicFramePr>
-              <p:cNvPr id="52" name="Slide Zoom 51">
+              <p:cNvPr id="12" name="Slide Zoom 11">
                 <a:extLst>
                   <a:ext uri="{FF2B5EF4-FFF2-40B4-BE49-F238E27FC236}">
-                    <a16:creationId xmlns:a16="http://schemas.microsoft.com/office/drawing/2014/main" id="{2A9EC11B-42B3-5458-8AC9-9D00F1C3596D}"/>
+                    <a16:creationId xmlns:a16="http://schemas.microsoft.com/office/drawing/2014/main" id="{0524673F-A6F7-3CD8-7920-E4FA02AEC9FE}"/>
                   </a:ext>
                 </a:extLst>
               </p:cNvPr>
@@ -4380,13 +4380,13 @@
               <p:nvPr>
                 <p:extLst>
                   <p:ext uri="{D42A27DB-BD31-4B8C-83A1-F6EECF244321}">
-                    <p14:modId xmlns:p14="http://schemas.microsoft.com/office/powerpoint/2010/main" val="3758592206"/>
+                    <p14:modId xmlns:p14="http://schemas.microsoft.com/office/powerpoint/2010/main" val="881501375"/>
                   </p:ext>
                 </p:extLst>
               </p:nvPr>
             </p:nvGraphicFramePr>
             <p:xfrm>
-              <a:off x="3960000" y="3240000"/>
+              <a:off x="4140000" y="3240000"/>
               <a:ext cx="2880000" cy="2880000"/>
             </p:xfrm>
             <a:graphic>
@@ -4419,11 +4419,11 @@
         <mc:Fallback xmlns="">
           <p:pic>
             <p:nvPicPr>
-              <p:cNvPr id="52" name="Slide Zoom 51">
+              <p:cNvPr id="12" name="Slide Zoom 11">
                 <a:hlinkClick r:id="rId3" action="ppaction://hlinksldjump"/>
                 <a:extLst>
                   <a:ext uri="{FF2B5EF4-FFF2-40B4-BE49-F238E27FC236}">
-                    <a16:creationId xmlns:a16="http://schemas.microsoft.com/office/drawing/2014/main" id="{2A9EC11B-42B3-5458-8AC9-9D00F1C3596D}"/>
+                    <a16:creationId xmlns:a16="http://schemas.microsoft.com/office/drawing/2014/main" id="{0524673F-A6F7-3CD8-7920-E4FA02AEC9FE}"/>
                   </a:ext>
                 </a:extLst>
               </p:cNvPr>
@@ -4440,7 +4440,7 @@
             </p:blipFill>
             <p:spPr>
               <a:xfrm>
-                <a:off x="3960000" y="3240000"/>
+                <a:off x="4140000" y="3240000"/>
                 <a:ext cx="2880000" cy="2880000"/>
               </a:xfrm>
               <a:prstGeom prst="rect">
@@ -4454,10 +4454,10 @@
         <mc:Choice Requires="pslz">
           <p:graphicFrame>
             <p:nvGraphicFramePr>
-              <p:cNvPr id="59" name="Slide Zoom 58">
+              <p:cNvPr id="13" name="Slide Zoom 12">
                 <a:extLst>
                   <a:ext uri="{FF2B5EF4-FFF2-40B4-BE49-F238E27FC236}">
-                    <a16:creationId xmlns:a16="http://schemas.microsoft.com/office/drawing/2014/main" id="{0DCF2BE6-28EF-16D8-438A-F897A62E066F}"/>
+                    <a16:creationId xmlns:a16="http://schemas.microsoft.com/office/drawing/2014/main" id="{4E918554-78FD-FC1F-D726-91FE92B8BF74}"/>
                   </a:ext>
                 </a:extLst>
               </p:cNvPr>
@@ -4467,13 +4467,13 @@
               <p:nvPr>
                 <p:extLst>
                   <p:ext uri="{D42A27DB-BD31-4B8C-83A1-F6EECF244321}">
-                    <p14:modId xmlns:p14="http://schemas.microsoft.com/office/powerpoint/2010/main" val="1607818546"/>
+                    <p14:modId xmlns:p14="http://schemas.microsoft.com/office/powerpoint/2010/main" val="1553566990"/>
                   </p:ext>
                 </p:extLst>
               </p:nvPr>
             </p:nvGraphicFramePr>
             <p:xfrm>
-              <a:off x="360000" y="1440000"/>
+              <a:off x="540000" y="1440000"/>
               <a:ext cx="2880000" cy="2880000"/>
             </p:xfrm>
             <a:graphic>
@@ -4506,11 +4506,11 @@
         <mc:Fallback xmlns="">
           <p:pic>
             <p:nvPicPr>
-              <p:cNvPr id="59" name="Slide Zoom 58">
+              <p:cNvPr id="13" name="Slide Zoom 12">
                 <a:hlinkClick r:id="rId3" action="ppaction://hlinksldjump"/>
                 <a:extLst>
                   <a:ext uri="{FF2B5EF4-FFF2-40B4-BE49-F238E27FC236}">
-                    <a16:creationId xmlns:a16="http://schemas.microsoft.com/office/drawing/2014/main" id="{0DCF2BE6-28EF-16D8-438A-F897A62E066F}"/>
+                    <a16:creationId xmlns:a16="http://schemas.microsoft.com/office/drawing/2014/main" id="{4E918554-78FD-FC1F-D726-91FE92B8BF74}"/>
                   </a:ext>
                 </a:extLst>
               </p:cNvPr>
@@ -4527,7 +4527,7 @@
             </p:blipFill>
             <p:spPr>
               <a:xfrm>
-                <a:off x="360000" y="1440000"/>
+                <a:off x="540000" y="1440000"/>
                 <a:ext cx="2880000" cy="2880000"/>
               </a:xfrm>
               <a:prstGeom prst="rect">
@@ -4541,10 +4541,10 @@
         <mc:Choice Requires="pslz">
           <p:graphicFrame>
             <p:nvGraphicFramePr>
-              <p:cNvPr id="60" name="Slide Zoom 59">
+              <p:cNvPr id="14" name="Slide Zoom 13">
                 <a:extLst>
                   <a:ext uri="{FF2B5EF4-FFF2-40B4-BE49-F238E27FC236}">
-                    <a16:creationId xmlns:a16="http://schemas.microsoft.com/office/drawing/2014/main" id="{7DC59AC1-1A53-1141-D970-4FCC64C9B6B7}"/>
+                    <a16:creationId xmlns:a16="http://schemas.microsoft.com/office/drawing/2014/main" id="{83023AE5-A4B1-FBC8-6970-2D97D3632C79}"/>
                   </a:ext>
                 </a:extLst>
               </p:cNvPr>
@@ -4554,13 +4554,13 @@
               <p:nvPr>
                 <p:extLst>
                   <p:ext uri="{D42A27DB-BD31-4B8C-83A1-F6EECF244321}">
-                    <p14:modId xmlns:p14="http://schemas.microsoft.com/office/powerpoint/2010/main" val="95041442"/>
+                    <p14:modId xmlns:p14="http://schemas.microsoft.com/office/powerpoint/2010/main" val="3454606778"/>
                   </p:ext>
                 </p:extLst>
               </p:nvPr>
             </p:nvGraphicFramePr>
             <p:xfrm>
-              <a:off x="2160000" y="1440000"/>
+              <a:off x="2340000" y="1440000"/>
               <a:ext cx="2880000" cy="2880000"/>
             </p:xfrm>
             <a:graphic>
@@ -4593,11 +4593,11 @@
         <mc:Fallback xmlns="">
           <p:pic>
             <p:nvPicPr>
-              <p:cNvPr id="60" name="Slide Zoom 59">
+              <p:cNvPr id="14" name="Slide Zoom 13">
                 <a:hlinkClick r:id="rId3" action="ppaction://hlinksldjump"/>
                 <a:extLst>
                   <a:ext uri="{FF2B5EF4-FFF2-40B4-BE49-F238E27FC236}">
-                    <a16:creationId xmlns:a16="http://schemas.microsoft.com/office/drawing/2014/main" id="{7DC59AC1-1A53-1141-D970-4FCC64C9B6B7}"/>
+                    <a16:creationId xmlns:a16="http://schemas.microsoft.com/office/drawing/2014/main" id="{83023AE5-A4B1-FBC8-6970-2D97D3632C79}"/>
                   </a:ext>
                 </a:extLst>
               </p:cNvPr>
@@ -4614,7 +4614,7 @@
             </p:blipFill>
             <p:spPr>
               <a:xfrm>
-                <a:off x="2160000" y="1440000"/>
+                <a:off x="2340000" y="1440000"/>
                 <a:ext cx="2880000" cy="2880000"/>
               </a:xfrm>
               <a:prstGeom prst="rect">
@@ -4628,10 +4628,10 @@
         <mc:Choice Requires="pslz">
           <p:graphicFrame>
             <p:nvGraphicFramePr>
-              <p:cNvPr id="61" name="Slide Zoom 60">
+              <p:cNvPr id="15" name="Slide Zoom 14">
                 <a:extLst>
                   <a:ext uri="{FF2B5EF4-FFF2-40B4-BE49-F238E27FC236}">
-                    <a16:creationId xmlns:a16="http://schemas.microsoft.com/office/drawing/2014/main" id="{5499AE6D-B2B6-3013-665F-62DCF977026C}"/>
+                    <a16:creationId xmlns:a16="http://schemas.microsoft.com/office/drawing/2014/main" id="{59FB35EE-4244-9D7A-F61C-16F2BCC24394}"/>
                   </a:ext>
                 </a:extLst>
               </p:cNvPr>
@@ -4641,13 +4641,13 @@
               <p:nvPr>
                 <p:extLst>
                   <p:ext uri="{D42A27DB-BD31-4B8C-83A1-F6EECF244321}">
-                    <p14:modId xmlns:p14="http://schemas.microsoft.com/office/powerpoint/2010/main" val="3845536566"/>
+                    <p14:modId xmlns:p14="http://schemas.microsoft.com/office/powerpoint/2010/main" val="2092548052"/>
                   </p:ext>
                 </p:extLst>
               </p:nvPr>
             </p:nvGraphicFramePr>
             <p:xfrm>
-              <a:off x="3960000" y="1440000"/>
+              <a:off x="4140000" y="1440000"/>
               <a:ext cx="2880000" cy="2880000"/>
             </p:xfrm>
             <a:graphic>
@@ -4680,11 +4680,11 @@
         <mc:Fallback xmlns="">
           <p:pic>
             <p:nvPicPr>
-              <p:cNvPr id="61" name="Slide Zoom 60">
+              <p:cNvPr id="15" name="Slide Zoom 14">
                 <a:hlinkClick r:id="rId3" action="ppaction://hlinksldjump"/>
                 <a:extLst>
                   <a:ext uri="{FF2B5EF4-FFF2-40B4-BE49-F238E27FC236}">
-                    <a16:creationId xmlns:a16="http://schemas.microsoft.com/office/drawing/2014/main" id="{5499AE6D-B2B6-3013-665F-62DCF977026C}"/>
+                    <a16:creationId xmlns:a16="http://schemas.microsoft.com/office/drawing/2014/main" id="{59FB35EE-4244-9D7A-F61C-16F2BCC24394}"/>
                   </a:ext>
                 </a:extLst>
               </p:cNvPr>
@@ -4701,7 +4701,7 @@
             </p:blipFill>
             <p:spPr>
               <a:xfrm>
-                <a:off x="3960000" y="1440000"/>
+                <a:off x="4140000" y="1440000"/>
                 <a:ext cx="2880000" cy="2880000"/>
               </a:xfrm>
               <a:prstGeom prst="rect">
@@ -4713,10 +4713,10 @@
       </mc:AlternateContent>
       <p:sp>
         <p:nvSpPr>
-          <p:cNvPr id="28" name="Parallelogram 27">
+          <p:cNvPr id="2" name="Parallelogram 1">
             <a:extLst>
               <a:ext uri="{FF2B5EF4-FFF2-40B4-BE49-F238E27FC236}">
-                <a16:creationId xmlns:a16="http://schemas.microsoft.com/office/drawing/2014/main" id="{5DCEB6A7-F77F-BDAE-4A9D-4204AF81705C}"/>
+                <a16:creationId xmlns:a16="http://schemas.microsoft.com/office/drawing/2014/main" id="{E9B0170B-8BB8-BCDE-D011-E6D0C2FCBD86}"/>
               </a:ext>
             </a:extLst>
           </p:cNvPr>
@@ -4725,17 +4725,17 @@
         </p:nvSpPr>
         <p:spPr>
           <a:xfrm>
-            <a:off x="540000" y="1080000"/>
-            <a:ext cx="7560000" cy="1080000"/>
+            <a:off x="815970" y="1080000"/>
+            <a:ext cx="7008819" cy="1080000"/>
           </a:xfrm>
           <a:prstGeom prst="parallelogram">
             <a:avLst>
-              <a:gd name="adj" fmla="val 199954"/>
+              <a:gd name="adj" fmla="val 149389"/>
             </a:avLst>
           </a:prstGeom>
           <a:solidFill>
-            <a:srgbClr val="00FA00">
-              <a:alpha val="10000"/>
+            <a:srgbClr val="6FDE89">
+              <a:alpha val="9804"/>
             </a:srgbClr>
           </a:solidFill>
           <a:ln w="3175">
@@ -4773,10 +4773,10 @@
       </p:sp>
       <p:sp>
         <p:nvSpPr>
-          <p:cNvPr id="29" name="Parallelogram 28">
+          <p:cNvPr id="19" name="Parallelogram 18">
             <a:extLst>
               <a:ext uri="{FF2B5EF4-FFF2-40B4-BE49-F238E27FC236}">
-                <a16:creationId xmlns:a16="http://schemas.microsoft.com/office/drawing/2014/main" id="{4D93AFA1-0F30-363F-2D2B-A55D783F512A}"/>
+                <a16:creationId xmlns:a16="http://schemas.microsoft.com/office/drawing/2014/main" id="{35232FC2-9D5C-4DEB-A3DC-BDC8BB2CB88E}"/>
               </a:ext>
             </a:extLst>
           </p:cNvPr>
@@ -4785,17 +4785,17 @@
         </p:nvSpPr>
         <p:spPr>
           <a:xfrm rot="16200000" flipH="1">
-            <a:off x="3780000" y="3240000"/>
-            <a:ext cx="6480000" cy="2160000"/>
+            <a:off x="3779134" y="3514342"/>
+            <a:ext cx="6480000" cy="1611316"/>
           </a:xfrm>
           <a:prstGeom prst="parallelogram">
             <a:avLst>
-              <a:gd name="adj" fmla="val 49925"/>
+              <a:gd name="adj" fmla="val 67265"/>
             </a:avLst>
           </a:prstGeom>
           <a:solidFill>
-            <a:srgbClr val="0432FF">
-              <a:alpha val="10000"/>
+            <a:srgbClr val="000A6E">
+              <a:alpha val="9804"/>
             </a:srgbClr>
           </a:solidFill>
           <a:ln w="3175">
@@ -4833,10 +4833,10 @@
       </p:sp>
       <p:sp>
         <p:nvSpPr>
-          <p:cNvPr id="62" name="Rectangle 61">
+          <p:cNvPr id="27" name="Rectangle 26">
             <a:extLst>
               <a:ext uri="{FF2B5EF4-FFF2-40B4-BE49-F238E27FC236}">
-                <a16:creationId xmlns:a16="http://schemas.microsoft.com/office/drawing/2014/main" id="{C102A793-7145-38CA-15D8-2C1B8B4945C4}"/>
+                <a16:creationId xmlns:a16="http://schemas.microsoft.com/office/drawing/2014/main" id="{CF09618C-902E-83A0-EC22-FE97663BF735}"/>
               </a:ext>
             </a:extLst>
           </p:cNvPr>
@@ -4845,15 +4845,15 @@
         </p:nvSpPr>
         <p:spPr>
           <a:xfrm>
-            <a:off x="540000" y="2160000"/>
-            <a:ext cx="5400000" cy="5400000"/>
+            <a:off x="815974" y="2160000"/>
+            <a:ext cx="5397501" cy="5400000"/>
           </a:xfrm>
           <a:prstGeom prst="rect">
             <a:avLst/>
           </a:prstGeom>
           <a:solidFill>
-            <a:srgbClr val="E40005">
-              <a:alpha val="7843"/>
+            <a:srgbClr val="DE7E7A">
+              <a:alpha val="7451"/>
             </a:srgbClr>
           </a:solidFill>
           <a:ln w="3175">
